--- a/Documents/Présentation/Demo_Finale.pptx
+++ b/Documents/Présentation/Demo_Finale.pptx
@@ -11196,7 +11196,7 @@
         </p:nvSpPr>
         <p:spPr>
           <a:xfrm>
-            <a:off x="1938553" y="3696394"/>
+            <a:off x="1938553" y="3420622"/>
             <a:ext cx="6570916" cy="830997"/>
           </a:xfrm>
           <a:prstGeom prst="rect">
@@ -11248,8 +11248,8 @@
         </p:blipFill>
         <p:spPr>
           <a:xfrm>
-            <a:off x="682911" y="5766826"/>
-            <a:ext cx="885163" cy="885163"/>
+            <a:off x="755960" y="5369895"/>
+            <a:ext cx="794572" cy="794572"/>
           </a:xfrm>
           <a:prstGeom prst="rect">
             <a:avLst/>
@@ -11278,7 +11278,7 @@
         </p:blipFill>
         <p:spPr>
           <a:xfrm>
-            <a:off x="755960" y="4748645"/>
+            <a:off x="755960" y="4472873"/>
             <a:ext cx="775575" cy="775575"/>
           </a:xfrm>
           <a:prstGeom prst="rect">
@@ -11308,7 +11308,7 @@
         </p:blipFill>
         <p:spPr>
           <a:xfrm>
-            <a:off x="717144" y="3628740"/>
+            <a:off x="717144" y="3352968"/>
             <a:ext cx="877065" cy="998458"/>
           </a:xfrm>
           <a:prstGeom prst="rect">
@@ -11324,7 +11324,7 @@
         </p:nvSpPr>
         <p:spPr>
           <a:xfrm>
-            <a:off x="1938553" y="4905599"/>
+            <a:off x="1938553" y="4629827"/>
             <a:ext cx="6570916" cy="461665"/>
           </a:xfrm>
           <a:prstGeom prst="rect">
@@ -11362,7 +11362,7 @@
         </p:nvSpPr>
         <p:spPr>
           <a:xfrm>
-            <a:off x="1938553" y="5978574"/>
+            <a:off x="2009928" y="5536348"/>
             <a:ext cx="6570916" cy="461665"/>
           </a:xfrm>
           <a:prstGeom prst="rect">
@@ -11413,6 +11413,101 @@
               <a:t>2</a:t>
             </a:fld>
             <a:endParaRPr lang="fr-FR" dirty="0"/>
+          </a:p>
+        </p:txBody>
+      </p:sp>
+      <p:pic>
+        <p:nvPicPr>
+          <p:cNvPr id="28" name="Picture 4" descr="Afficher l'image d'origine"/>
+          <p:cNvPicPr>
+            <a:picLocks noChangeAspect="1" noChangeArrowheads="1"/>
+          </p:cNvPicPr>
+          <p:nvPr/>
+        </p:nvPicPr>
+        <p:blipFill>
+          <a:blip r:embed="rId12" cstate="print">
+            <a:extLst>
+              <a:ext uri="{28A0092B-C50C-407E-A947-70E740481C1C}">
+                <a14:useLocalDpi xmlns:a14="http://schemas.microsoft.com/office/drawing/2010/main" val="0"/>
+              </a:ext>
+            </a:extLst>
+          </a:blip>
+          <a:srcRect/>
+          <a:stretch>
+            <a:fillRect/>
+          </a:stretch>
+        </p:blipFill>
+        <p:spPr bwMode="auto">
+          <a:xfrm>
+            <a:off x="907111" y="6247448"/>
+            <a:ext cx="492269" cy="492269"/>
+          </a:xfrm>
+          <a:prstGeom prst="rect">
+            <a:avLst/>
+          </a:prstGeom>
+          <a:noFill/>
+          <a:extLst>
+            <a:ext uri="{909E8E84-426E-40DD-AFC4-6F175D3DCCD1}">
+              <a14:hiddenFill xmlns:a14="http://schemas.microsoft.com/office/drawing/2010/main">
+                <a:solidFill>
+                  <a:srgbClr val="FFFFFF"/>
+                </a:solidFill>
+              </a14:hiddenFill>
+            </a:ext>
+          </a:extLst>
+        </p:spPr>
+      </p:pic>
+      <p:sp>
+        <p:nvSpPr>
+          <p:cNvPr id="29" name="ZoneTexte 28"/>
+          <p:cNvSpPr txBox="1"/>
+          <p:nvPr/>
+        </p:nvSpPr>
+        <p:spPr>
+          <a:xfrm>
+            <a:off x="2009928" y="6176166"/>
+            <a:ext cx="6570916" cy="400110"/>
+          </a:xfrm>
+          <a:prstGeom prst="rect">
+            <a:avLst/>
+          </a:prstGeom>
+          <a:noFill/>
+        </p:spPr>
+        <p:txBody>
+          <a:bodyPr wrap="square" rtlCol="0">
+            <a:spAutoFit/>
+          </a:bodyPr>
+          <a:lstStyle/>
+          <a:p>
+            <a:r>
+              <a:rPr lang="fr-FR" sz="2000" dirty="0" smtClean="0">
+                <a:latin typeface="Nirmala UI" panose="020B0502040204020203" pitchFamily="34" charset="0"/>
+                <a:ea typeface="Kozuka Gothic Pro L" panose="020B0200000000000000" pitchFamily="34" charset="-128"/>
+                <a:cs typeface="Nirmala UI" panose="020B0502040204020203" pitchFamily="34" charset="0"/>
+              </a:rPr>
+              <a:t>276 </a:t>
+            </a:r>
+            <a:r>
+              <a:rPr lang="fr-FR" sz="2000" dirty="0" err="1" smtClean="0">
+                <a:latin typeface="Nirmala UI" panose="020B0502040204020203" pitchFamily="34" charset="0"/>
+                <a:ea typeface="Kozuka Gothic Pro L" panose="020B0200000000000000" pitchFamily="34" charset="-128"/>
+                <a:cs typeface="Nirmala UI" panose="020B0502040204020203" pitchFamily="34" charset="0"/>
+              </a:rPr>
+              <a:t>commits</a:t>
+            </a:r>
+            <a:r>
+              <a:rPr lang="fr-FR" sz="2000" dirty="0" smtClean="0">
+                <a:latin typeface="Nirmala UI" panose="020B0502040204020203" pitchFamily="34" charset="0"/>
+                <a:ea typeface="Kozuka Gothic Pro L" panose="020B0200000000000000" pitchFamily="34" charset="-128"/>
+                <a:cs typeface="Nirmala UI" panose="020B0502040204020203" pitchFamily="34" charset="0"/>
+              </a:rPr>
+              <a:t> au total</a:t>
+            </a:r>
+            <a:endParaRPr lang="fr-FR" sz="2000" dirty="0">
+              <a:latin typeface="Nirmala UI" panose="020B0502040204020203" pitchFamily="34" charset="0"/>
+              <a:ea typeface="Kozuka Gothic Pro L" panose="020B0200000000000000" pitchFamily="34" charset="-128"/>
+              <a:cs typeface="Nirmala UI" panose="020B0502040204020203" pitchFamily="34" charset="0"/>
+            </a:endParaRPr>
           </a:p>
         </p:txBody>
       </p:sp>
@@ -12187,6 +12282,85 @@
                             </p:childTnLst>
                           </p:cTn>
                         </p:par>
+                        <p:par>
+                          <p:cTn id="56" fill="hold">
+                            <p:stCondLst>
+                              <p:cond delay="2000"/>
+                            </p:stCondLst>
+                            <p:childTnLst>
+                              <p:par>
+                                <p:cTn id="57" presetID="10" presetClass="entr" presetSubtype="0" fill="hold" nodeType="afterEffect">
+                                  <p:stCondLst>
+                                    <p:cond delay="0"/>
+                                  </p:stCondLst>
+                                  <p:childTnLst>
+                                    <p:set>
+                                      <p:cBhvr>
+                                        <p:cTn id="58" dur="1" fill="hold">
+                                          <p:stCondLst>
+                                            <p:cond delay="0"/>
+                                          </p:stCondLst>
+                                        </p:cTn>
+                                        <p:tgtEl>
+                                          <p:spTgt spid="28"/>
+                                        </p:tgtEl>
+                                        <p:attrNameLst>
+                                          <p:attrName>style.visibility</p:attrName>
+                                        </p:attrNameLst>
+                                      </p:cBhvr>
+                                      <p:to>
+                                        <p:strVal val="visible"/>
+                                      </p:to>
+                                    </p:set>
+                                    <p:animEffect transition="in" filter="fade">
+                                      <p:cBhvr>
+                                        <p:cTn id="59" dur="500"/>
+                                        <p:tgtEl>
+                                          <p:spTgt spid="28"/>
+                                        </p:tgtEl>
+                                      </p:cBhvr>
+                                    </p:animEffect>
+                                  </p:childTnLst>
+                                </p:cTn>
+                              </p:par>
+                              <p:par>
+                                <p:cTn id="60" presetID="10" presetClass="entr" presetSubtype="0" fill="hold" grpId="0" nodeType="withEffect">
+                                  <p:stCondLst>
+                                    <p:cond delay="0"/>
+                                  </p:stCondLst>
+                                  <p:childTnLst>
+                                    <p:set>
+                                      <p:cBhvr>
+                                        <p:cTn id="61" dur="1" fill="hold">
+                                          <p:stCondLst>
+                                            <p:cond delay="0"/>
+                                          </p:stCondLst>
+                                        </p:cTn>
+                                        <p:tgtEl>
+                                          <p:spTgt spid="29"/>
+                                        </p:tgtEl>
+                                        <p:attrNameLst>
+                                          <p:attrName>style.visibility</p:attrName>
+                                        </p:attrNameLst>
+                                      </p:cBhvr>
+                                      <p:to>
+                                        <p:strVal val="visible"/>
+                                      </p:to>
+                                    </p:set>
+                                    <p:animEffect transition="in" filter="fade">
+                                      <p:cBhvr>
+                                        <p:cTn id="62" dur="500"/>
+                                        <p:tgtEl>
+                                          <p:spTgt spid="29"/>
+                                        </p:tgtEl>
+                                      </p:cBhvr>
+                                    </p:animEffect>
+                                  </p:childTnLst>
+                                </p:cTn>
+                              </p:par>
+                            </p:childTnLst>
+                          </p:cTn>
+                        </p:par>
                       </p:childTnLst>
                     </p:cTn>
                   </p:par>
@@ -12215,6 +12389,7 @@
       <p:bldP spid="16" grpId="0"/>
       <p:bldP spid="20" grpId="0"/>
       <p:bldP spid="21" grpId="0"/>
+      <p:bldP spid="29" grpId="0"/>
     </p:bldLst>
   </p:timing>
 </p:sld>
@@ -15243,6 +15418,9 @@
                     <p:cTn id="3" fill="hold">
                       <p:stCondLst>
                         <p:cond delay="indefinite"/>
+                        <p:cond evt="onBegin" delay="0">
+                          <p:tn val="2"/>
+                        </p:cond>
                       </p:stCondLst>
                       <p:childTnLst>
                         <p:par>
@@ -15252,7 +15430,7 @@
                             </p:stCondLst>
                             <p:childTnLst>
                               <p:par>
-                                <p:cTn id="5" presetID="10" presetClass="entr" presetSubtype="0" fill="hold" grpId="0" nodeType="clickEffect">
+                                <p:cTn id="5" presetID="10" presetClass="entr" presetSubtype="0" fill="hold" grpId="0" nodeType="withEffect">
                                   <p:stCondLst>
                                     <p:cond delay="0"/>
                                   </p:stCondLst>

--- a/Documents/Présentation/Demo_Finale.pptx
+++ b/Documents/Présentation/Demo_Finale.pptx
@@ -8604,8 +8604,25 @@
                 <a:latin typeface="Microsoft PhagsPa" panose="020B0502040204020203" pitchFamily="34" charset="0"/>
                 <a:ea typeface="Kozuka Gothic Pro L" panose="020B0200000000000000" pitchFamily="34" charset="-128"/>
               </a:rPr>
-              <a:t>de</a:t>
-            </a:r>
+              <a:t>du</a:t>
+            </a:r>
+            <a:endParaRPr lang="fr-FR" sz="5000" b="1" dirty="0" smtClean="0">
+              <a:solidFill>
+                <a:schemeClr val="tx1">
+                  <a:lumMod val="75000"/>
+                  <a:lumOff val="25000"/>
+                </a:schemeClr>
+              </a:solidFill>
+              <a:effectLst>
+                <a:outerShdw blurRad="38100" dist="38100" dir="2700000" algn="tl">
+                  <a:srgbClr val="000000">
+                    <a:alpha val="43137"/>
+                  </a:srgbClr>
+                </a:outerShdw>
+              </a:effectLst>
+              <a:latin typeface="Microsoft PhagsPa" panose="020B0502040204020203" pitchFamily="34" charset="0"/>
+              <a:ea typeface="Kozuka Gothic Pro L" panose="020B0200000000000000" pitchFamily="34" charset="-128"/>
+            </a:endParaRPr>
           </a:p>
         </p:txBody>
       </p:sp>
@@ -10258,6 +10275,30 @@
               </a:rPr>
               <a:t>Prévision de l’architecture logicielle plus en amont</a:t>
             </a:r>
+          </a:p>
+        </p:txBody>
+      </p:sp>
+      <p:sp>
+        <p:nvSpPr>
+          <p:cNvPr id="5" name="Espace réservé du numéro de diapositive 4"/>
+          <p:cNvSpPr>
+            <a:spLocks noGrp="1"/>
+          </p:cNvSpPr>
+          <p:nvPr>
+            <p:ph type="sldNum" sz="quarter" idx="4"/>
+          </p:nvPr>
+        </p:nvSpPr>
+        <p:spPr/>
+        <p:txBody>
+          <a:bodyPr/>
+          <a:lstStyle/>
+          <a:p>
+            <a:fld id="{DC062FA9-FE1E-4553-BF9F-5A99BD99EA25}" type="slidenum">
+              <a:rPr lang="fr-FR" smtClean="0"/>
+              <a:pPr/>
+              <a:t>12</a:t>
+            </a:fld>
+            <a:endParaRPr lang="fr-FR" dirty="0"/>
           </a:p>
         </p:txBody>
       </p:sp>

--- a/Documents/Présentation/Demo_Finale.pptx
+++ b/Documents/Présentation/Demo_Finale.pptx
@@ -3,24 +3,23 @@
 <p:presentation xmlns:a="http://schemas.openxmlformats.org/drawingml/2006/main" xmlns:r="http://schemas.openxmlformats.org/officeDocument/2006/relationships" xmlns:p="http://schemas.openxmlformats.org/presentationml/2006/main" saveSubsetFonts="1">
   <p:sldMasterIdLst>
     <p:sldMasterId id="2147483648" r:id="rId1"/>
-    <p:sldMasterId id="2147483656" r:id="rId2"/>
   </p:sldMasterIdLst>
   <p:notesMasterIdLst>
-    <p:notesMasterId r:id="rId15"/>
+    <p:notesMasterId r:id="rId14"/>
   </p:notesMasterIdLst>
   <p:sldIdLst>
-    <p:sldId id="256" r:id="rId3"/>
-    <p:sldId id="258" r:id="rId4"/>
-    <p:sldId id="266" r:id="rId5"/>
-    <p:sldId id="259" r:id="rId6"/>
-    <p:sldId id="268" r:id="rId7"/>
-    <p:sldId id="260" r:id="rId8"/>
-    <p:sldId id="263" r:id="rId9"/>
-    <p:sldId id="265" r:id="rId10"/>
-    <p:sldId id="270" r:id="rId11"/>
-    <p:sldId id="269" r:id="rId12"/>
-    <p:sldId id="264" r:id="rId13"/>
-    <p:sldId id="267" r:id="rId14"/>
+    <p:sldId id="256" r:id="rId2"/>
+    <p:sldId id="258" r:id="rId3"/>
+    <p:sldId id="266" r:id="rId4"/>
+    <p:sldId id="259" r:id="rId5"/>
+    <p:sldId id="268" r:id="rId6"/>
+    <p:sldId id="260" r:id="rId7"/>
+    <p:sldId id="263" r:id="rId8"/>
+    <p:sldId id="265" r:id="rId9"/>
+    <p:sldId id="270" r:id="rId10"/>
+    <p:sldId id="269" r:id="rId11"/>
+    <p:sldId id="264" r:id="rId12"/>
+    <p:sldId id="267" r:id="rId13"/>
   </p:sldIdLst>
   <p:sldSz cx="12192000" cy="6858000"/>
   <p:notesSz cx="6858000" cy="9144000"/>
@@ -221,7 +220,7 @@
           <a:p>
             <a:fld id="{57DD73B3-A2CE-47CB-99A8-4EA99245B351}" type="datetimeFigureOut">
               <a:rPr lang="fr-FR" smtClean="0"/>
-              <a:t>13/01/2017</a:t>
+              <a:t>20/01/2017</a:t>
             </a:fld>
             <a:endParaRPr lang="fr-FR"/>
           </a:p>
@@ -2509,1666 +2508,6 @@
 </p:sldLayout>
 </file>
 
-<file path=ppt/slideLayouts/slideLayout10.xml><?xml version="1.0" encoding="utf-8"?>
-<p:sldLayout xmlns:a="http://schemas.openxmlformats.org/drawingml/2006/main" xmlns:r="http://schemas.openxmlformats.org/officeDocument/2006/relationships" xmlns:p="http://schemas.openxmlformats.org/presentationml/2006/main" type="twoObj" preserve="1">
-  <p:cSld name="Deux contenus">
-    <p:spTree>
-      <p:nvGrpSpPr>
-        <p:cNvPr id="1" name=""/>
-        <p:cNvGrpSpPr/>
-        <p:nvPr/>
-      </p:nvGrpSpPr>
-      <p:grpSpPr>
-        <a:xfrm>
-          <a:off x="0" y="0"/>
-          <a:ext cx="0" cy="0"/>
-          <a:chOff x="0" y="0"/>
-          <a:chExt cx="0" cy="0"/>
-        </a:xfrm>
-      </p:grpSpPr>
-      <p:sp>
-        <p:nvSpPr>
-          <p:cNvPr id="2" name="Titre 1"/>
-          <p:cNvSpPr>
-            <a:spLocks noGrp="1"/>
-          </p:cNvSpPr>
-          <p:nvPr>
-            <p:ph type="title"/>
-          </p:nvPr>
-        </p:nvSpPr>
-        <p:spPr/>
-        <p:txBody>
-          <a:bodyPr/>
-          <a:lstStyle/>
-          <a:p>
-            <a:r>
-              <a:rPr lang="fr-FR" smtClean="0"/>
-              <a:t>Modifiez le style du titre</a:t>
-            </a:r>
-            <a:endParaRPr lang="fr-FR"/>
-          </a:p>
-        </p:txBody>
-      </p:sp>
-      <p:sp>
-        <p:nvSpPr>
-          <p:cNvPr id="3" name="Espace réservé du contenu 2"/>
-          <p:cNvSpPr>
-            <a:spLocks noGrp="1"/>
-          </p:cNvSpPr>
-          <p:nvPr>
-            <p:ph sz="half" idx="1"/>
-          </p:nvPr>
-        </p:nvSpPr>
-        <p:spPr>
-          <a:xfrm>
-            <a:off x="838200" y="1825625"/>
-            <a:ext cx="5181600" cy="4351338"/>
-          </a:xfrm>
-        </p:spPr>
-        <p:txBody>
-          <a:bodyPr/>
-          <a:lstStyle/>
-          <a:p>
-            <a:pPr lvl="0"/>
-            <a:r>
-              <a:rPr lang="fr-FR" smtClean="0"/>
-              <a:t>Modifiez les styles du texte du masque</a:t>
-            </a:r>
-          </a:p>
-          <a:p>
-            <a:pPr lvl="1"/>
-            <a:r>
-              <a:rPr lang="fr-FR" smtClean="0"/>
-              <a:t>Deuxième niveau</a:t>
-            </a:r>
-          </a:p>
-          <a:p>
-            <a:pPr lvl="2"/>
-            <a:r>
-              <a:rPr lang="fr-FR" smtClean="0"/>
-              <a:t>Troisième niveau</a:t>
-            </a:r>
-          </a:p>
-          <a:p>
-            <a:pPr lvl="3"/>
-            <a:r>
-              <a:rPr lang="fr-FR" smtClean="0"/>
-              <a:t>Quatrième niveau</a:t>
-            </a:r>
-          </a:p>
-          <a:p>
-            <a:pPr lvl="4"/>
-            <a:r>
-              <a:rPr lang="fr-FR" smtClean="0"/>
-              <a:t>Cinquième niveau</a:t>
-            </a:r>
-            <a:endParaRPr lang="fr-FR"/>
-          </a:p>
-        </p:txBody>
-      </p:sp>
-      <p:sp>
-        <p:nvSpPr>
-          <p:cNvPr id="4" name="Espace réservé du contenu 3"/>
-          <p:cNvSpPr>
-            <a:spLocks noGrp="1"/>
-          </p:cNvSpPr>
-          <p:nvPr>
-            <p:ph sz="half" idx="2"/>
-          </p:nvPr>
-        </p:nvSpPr>
-        <p:spPr>
-          <a:xfrm>
-            <a:off x="6172200" y="1825625"/>
-            <a:ext cx="5181600" cy="4351338"/>
-          </a:xfrm>
-        </p:spPr>
-        <p:txBody>
-          <a:bodyPr/>
-          <a:lstStyle/>
-          <a:p>
-            <a:pPr lvl="0"/>
-            <a:r>
-              <a:rPr lang="fr-FR" smtClean="0"/>
-              <a:t>Modifiez les styles du texte du masque</a:t>
-            </a:r>
-          </a:p>
-          <a:p>
-            <a:pPr lvl="1"/>
-            <a:r>
-              <a:rPr lang="fr-FR" smtClean="0"/>
-              <a:t>Deuxième niveau</a:t>
-            </a:r>
-          </a:p>
-          <a:p>
-            <a:pPr lvl="2"/>
-            <a:r>
-              <a:rPr lang="fr-FR" smtClean="0"/>
-              <a:t>Troisième niveau</a:t>
-            </a:r>
-          </a:p>
-          <a:p>
-            <a:pPr lvl="3"/>
-            <a:r>
-              <a:rPr lang="fr-FR" smtClean="0"/>
-              <a:t>Quatrième niveau</a:t>
-            </a:r>
-          </a:p>
-          <a:p>
-            <a:pPr lvl="4"/>
-            <a:r>
-              <a:rPr lang="fr-FR" smtClean="0"/>
-              <a:t>Cinquième niveau</a:t>
-            </a:r>
-            <a:endParaRPr lang="fr-FR"/>
-          </a:p>
-        </p:txBody>
-      </p:sp>
-      <p:sp>
-        <p:nvSpPr>
-          <p:cNvPr id="5" name="Espace réservé de la date 4"/>
-          <p:cNvSpPr>
-            <a:spLocks noGrp="1"/>
-          </p:cNvSpPr>
-          <p:nvPr>
-            <p:ph type="dt" sz="half" idx="10"/>
-          </p:nvPr>
-        </p:nvSpPr>
-        <p:spPr/>
-        <p:txBody>
-          <a:bodyPr/>
-          <a:lstStyle/>
-          <a:p>
-            <a:endParaRPr lang="fr-FR"/>
-          </a:p>
-        </p:txBody>
-      </p:sp>
-      <p:sp>
-        <p:nvSpPr>
-          <p:cNvPr id="6" name="Espace réservé du pied de page 5"/>
-          <p:cNvSpPr>
-            <a:spLocks noGrp="1"/>
-          </p:cNvSpPr>
-          <p:nvPr>
-            <p:ph type="ftr" sz="quarter" idx="11"/>
-          </p:nvPr>
-        </p:nvSpPr>
-        <p:spPr/>
-        <p:txBody>
-          <a:bodyPr/>
-          <a:lstStyle/>
-          <a:p>
-            <a:endParaRPr lang="fr-FR"/>
-          </a:p>
-        </p:txBody>
-      </p:sp>
-      <p:sp>
-        <p:nvSpPr>
-          <p:cNvPr id="7" name="Espace réservé du numéro de diapositive 6"/>
-          <p:cNvSpPr>
-            <a:spLocks noGrp="1"/>
-          </p:cNvSpPr>
-          <p:nvPr>
-            <p:ph type="sldNum" sz="quarter" idx="12"/>
-          </p:nvPr>
-        </p:nvSpPr>
-        <p:spPr/>
-        <p:txBody>
-          <a:bodyPr/>
-          <a:lstStyle/>
-          <a:p>
-            <a:fld id="{DC062FA9-FE1E-4553-BF9F-5A99BD99EA25}" type="slidenum">
-              <a:rPr lang="fr-FR" smtClean="0"/>
-              <a:t>‹N°›</a:t>
-            </a:fld>
-            <a:endParaRPr lang="fr-FR"/>
-          </a:p>
-        </p:txBody>
-      </p:sp>
-    </p:spTree>
-    <p:extLst>
-      <p:ext uri="{BB962C8B-B14F-4D97-AF65-F5344CB8AC3E}">
-        <p14:creationId xmlns:p14="http://schemas.microsoft.com/office/powerpoint/2010/main" val="3251540791"/>
-      </p:ext>
-    </p:extLst>
-  </p:cSld>
-  <p:clrMapOvr>
-    <a:masterClrMapping/>
-  </p:clrMapOvr>
-</p:sldLayout>
-</file>
-
-<file path=ppt/slideLayouts/slideLayout11.xml><?xml version="1.0" encoding="utf-8"?>
-<p:sldLayout xmlns:a="http://schemas.openxmlformats.org/drawingml/2006/main" xmlns:r="http://schemas.openxmlformats.org/officeDocument/2006/relationships" xmlns:p="http://schemas.openxmlformats.org/presentationml/2006/main" type="twoTxTwoObj" preserve="1">
-  <p:cSld name="Comparaison">
-    <p:spTree>
-      <p:nvGrpSpPr>
-        <p:cNvPr id="1" name=""/>
-        <p:cNvGrpSpPr/>
-        <p:nvPr/>
-      </p:nvGrpSpPr>
-      <p:grpSpPr>
-        <a:xfrm>
-          <a:off x="0" y="0"/>
-          <a:ext cx="0" cy="0"/>
-          <a:chOff x="0" y="0"/>
-          <a:chExt cx="0" cy="0"/>
-        </a:xfrm>
-      </p:grpSpPr>
-      <p:sp>
-        <p:nvSpPr>
-          <p:cNvPr id="2" name="Titre 1"/>
-          <p:cNvSpPr>
-            <a:spLocks noGrp="1"/>
-          </p:cNvSpPr>
-          <p:nvPr>
-            <p:ph type="title"/>
-          </p:nvPr>
-        </p:nvSpPr>
-        <p:spPr>
-          <a:xfrm>
-            <a:off x="839788" y="365125"/>
-            <a:ext cx="10515600" cy="1325563"/>
-          </a:xfrm>
-        </p:spPr>
-        <p:txBody>
-          <a:bodyPr/>
-          <a:lstStyle/>
-          <a:p>
-            <a:r>
-              <a:rPr lang="fr-FR" smtClean="0"/>
-              <a:t>Modifiez le style du titre</a:t>
-            </a:r>
-            <a:endParaRPr lang="fr-FR"/>
-          </a:p>
-        </p:txBody>
-      </p:sp>
-      <p:sp>
-        <p:nvSpPr>
-          <p:cNvPr id="3" name="Espace réservé du texte 2"/>
-          <p:cNvSpPr>
-            <a:spLocks noGrp="1"/>
-          </p:cNvSpPr>
-          <p:nvPr>
-            <p:ph type="body" idx="1"/>
-          </p:nvPr>
-        </p:nvSpPr>
-        <p:spPr>
-          <a:xfrm>
-            <a:off x="839788" y="1681163"/>
-            <a:ext cx="5157787" cy="823912"/>
-          </a:xfrm>
-        </p:spPr>
-        <p:txBody>
-          <a:bodyPr anchor="b"/>
-          <a:lstStyle>
-            <a:lvl1pPr marL="0" indent="0">
-              <a:buNone/>
-              <a:defRPr sz="2400" b="1"/>
-            </a:lvl1pPr>
-            <a:lvl2pPr marL="457200" indent="0">
-              <a:buNone/>
-              <a:defRPr sz="2000" b="1"/>
-            </a:lvl2pPr>
-            <a:lvl3pPr marL="914400" indent="0">
-              <a:buNone/>
-              <a:defRPr sz="1800" b="1"/>
-            </a:lvl3pPr>
-            <a:lvl4pPr marL="1371600" indent="0">
-              <a:buNone/>
-              <a:defRPr sz="1600" b="1"/>
-            </a:lvl4pPr>
-            <a:lvl5pPr marL="1828800" indent="0">
-              <a:buNone/>
-              <a:defRPr sz="1600" b="1"/>
-            </a:lvl5pPr>
-            <a:lvl6pPr marL="2286000" indent="0">
-              <a:buNone/>
-              <a:defRPr sz="1600" b="1"/>
-            </a:lvl6pPr>
-            <a:lvl7pPr marL="2743200" indent="0">
-              <a:buNone/>
-              <a:defRPr sz="1600" b="1"/>
-            </a:lvl7pPr>
-            <a:lvl8pPr marL="3200400" indent="0">
-              <a:buNone/>
-              <a:defRPr sz="1600" b="1"/>
-            </a:lvl8pPr>
-            <a:lvl9pPr marL="3657600" indent="0">
-              <a:buNone/>
-              <a:defRPr sz="1600" b="1"/>
-            </a:lvl9pPr>
-          </a:lstStyle>
-          <a:p>
-            <a:pPr lvl="0"/>
-            <a:r>
-              <a:rPr lang="fr-FR" smtClean="0"/>
-              <a:t>Modifiez les styles du texte du masque</a:t>
-            </a:r>
-          </a:p>
-        </p:txBody>
-      </p:sp>
-      <p:sp>
-        <p:nvSpPr>
-          <p:cNvPr id="4" name="Espace réservé du contenu 3"/>
-          <p:cNvSpPr>
-            <a:spLocks noGrp="1"/>
-          </p:cNvSpPr>
-          <p:nvPr>
-            <p:ph sz="half" idx="2"/>
-          </p:nvPr>
-        </p:nvSpPr>
-        <p:spPr>
-          <a:xfrm>
-            <a:off x="839788" y="2505075"/>
-            <a:ext cx="5157787" cy="3684588"/>
-          </a:xfrm>
-        </p:spPr>
-        <p:txBody>
-          <a:bodyPr/>
-          <a:lstStyle/>
-          <a:p>
-            <a:pPr lvl="0"/>
-            <a:r>
-              <a:rPr lang="fr-FR" smtClean="0"/>
-              <a:t>Modifiez les styles du texte du masque</a:t>
-            </a:r>
-          </a:p>
-          <a:p>
-            <a:pPr lvl="1"/>
-            <a:r>
-              <a:rPr lang="fr-FR" smtClean="0"/>
-              <a:t>Deuxième niveau</a:t>
-            </a:r>
-          </a:p>
-          <a:p>
-            <a:pPr lvl="2"/>
-            <a:r>
-              <a:rPr lang="fr-FR" smtClean="0"/>
-              <a:t>Troisième niveau</a:t>
-            </a:r>
-          </a:p>
-          <a:p>
-            <a:pPr lvl="3"/>
-            <a:r>
-              <a:rPr lang="fr-FR" smtClean="0"/>
-              <a:t>Quatrième niveau</a:t>
-            </a:r>
-          </a:p>
-          <a:p>
-            <a:pPr lvl="4"/>
-            <a:r>
-              <a:rPr lang="fr-FR" smtClean="0"/>
-              <a:t>Cinquième niveau</a:t>
-            </a:r>
-            <a:endParaRPr lang="fr-FR"/>
-          </a:p>
-        </p:txBody>
-      </p:sp>
-      <p:sp>
-        <p:nvSpPr>
-          <p:cNvPr id="5" name="Espace réservé du texte 4"/>
-          <p:cNvSpPr>
-            <a:spLocks noGrp="1"/>
-          </p:cNvSpPr>
-          <p:nvPr>
-            <p:ph type="body" sz="quarter" idx="3"/>
-          </p:nvPr>
-        </p:nvSpPr>
-        <p:spPr>
-          <a:xfrm>
-            <a:off x="6172200" y="1681163"/>
-            <a:ext cx="5183188" cy="823912"/>
-          </a:xfrm>
-        </p:spPr>
-        <p:txBody>
-          <a:bodyPr anchor="b"/>
-          <a:lstStyle>
-            <a:lvl1pPr marL="0" indent="0">
-              <a:buNone/>
-              <a:defRPr sz="2400" b="1"/>
-            </a:lvl1pPr>
-            <a:lvl2pPr marL="457200" indent="0">
-              <a:buNone/>
-              <a:defRPr sz="2000" b="1"/>
-            </a:lvl2pPr>
-            <a:lvl3pPr marL="914400" indent="0">
-              <a:buNone/>
-              <a:defRPr sz="1800" b="1"/>
-            </a:lvl3pPr>
-            <a:lvl4pPr marL="1371600" indent="0">
-              <a:buNone/>
-              <a:defRPr sz="1600" b="1"/>
-            </a:lvl4pPr>
-            <a:lvl5pPr marL="1828800" indent="0">
-              <a:buNone/>
-              <a:defRPr sz="1600" b="1"/>
-            </a:lvl5pPr>
-            <a:lvl6pPr marL="2286000" indent="0">
-              <a:buNone/>
-              <a:defRPr sz="1600" b="1"/>
-            </a:lvl6pPr>
-            <a:lvl7pPr marL="2743200" indent="0">
-              <a:buNone/>
-              <a:defRPr sz="1600" b="1"/>
-            </a:lvl7pPr>
-            <a:lvl8pPr marL="3200400" indent="0">
-              <a:buNone/>
-              <a:defRPr sz="1600" b="1"/>
-            </a:lvl8pPr>
-            <a:lvl9pPr marL="3657600" indent="0">
-              <a:buNone/>
-              <a:defRPr sz="1600" b="1"/>
-            </a:lvl9pPr>
-          </a:lstStyle>
-          <a:p>
-            <a:pPr lvl="0"/>
-            <a:r>
-              <a:rPr lang="fr-FR" smtClean="0"/>
-              <a:t>Modifiez les styles du texte du masque</a:t>
-            </a:r>
-          </a:p>
-        </p:txBody>
-      </p:sp>
-      <p:sp>
-        <p:nvSpPr>
-          <p:cNvPr id="6" name="Espace réservé du contenu 5"/>
-          <p:cNvSpPr>
-            <a:spLocks noGrp="1"/>
-          </p:cNvSpPr>
-          <p:nvPr>
-            <p:ph sz="quarter" idx="4"/>
-          </p:nvPr>
-        </p:nvSpPr>
-        <p:spPr>
-          <a:xfrm>
-            <a:off x="6172200" y="2505075"/>
-            <a:ext cx="5183188" cy="3684588"/>
-          </a:xfrm>
-        </p:spPr>
-        <p:txBody>
-          <a:bodyPr/>
-          <a:lstStyle/>
-          <a:p>
-            <a:pPr lvl="0"/>
-            <a:r>
-              <a:rPr lang="fr-FR" smtClean="0"/>
-              <a:t>Modifiez les styles du texte du masque</a:t>
-            </a:r>
-          </a:p>
-          <a:p>
-            <a:pPr lvl="1"/>
-            <a:r>
-              <a:rPr lang="fr-FR" smtClean="0"/>
-              <a:t>Deuxième niveau</a:t>
-            </a:r>
-          </a:p>
-          <a:p>
-            <a:pPr lvl="2"/>
-            <a:r>
-              <a:rPr lang="fr-FR" smtClean="0"/>
-              <a:t>Troisième niveau</a:t>
-            </a:r>
-          </a:p>
-          <a:p>
-            <a:pPr lvl="3"/>
-            <a:r>
-              <a:rPr lang="fr-FR" smtClean="0"/>
-              <a:t>Quatrième niveau</a:t>
-            </a:r>
-          </a:p>
-          <a:p>
-            <a:pPr lvl="4"/>
-            <a:r>
-              <a:rPr lang="fr-FR" smtClean="0"/>
-              <a:t>Cinquième niveau</a:t>
-            </a:r>
-            <a:endParaRPr lang="fr-FR"/>
-          </a:p>
-        </p:txBody>
-      </p:sp>
-      <p:sp>
-        <p:nvSpPr>
-          <p:cNvPr id="7" name="Espace réservé de la date 6"/>
-          <p:cNvSpPr>
-            <a:spLocks noGrp="1"/>
-          </p:cNvSpPr>
-          <p:nvPr>
-            <p:ph type="dt" sz="half" idx="10"/>
-          </p:nvPr>
-        </p:nvSpPr>
-        <p:spPr/>
-        <p:txBody>
-          <a:bodyPr/>
-          <a:lstStyle/>
-          <a:p>
-            <a:endParaRPr lang="fr-FR"/>
-          </a:p>
-        </p:txBody>
-      </p:sp>
-      <p:sp>
-        <p:nvSpPr>
-          <p:cNvPr id="8" name="Espace réservé du pied de page 7"/>
-          <p:cNvSpPr>
-            <a:spLocks noGrp="1"/>
-          </p:cNvSpPr>
-          <p:nvPr>
-            <p:ph type="ftr" sz="quarter" idx="11"/>
-          </p:nvPr>
-        </p:nvSpPr>
-        <p:spPr/>
-        <p:txBody>
-          <a:bodyPr/>
-          <a:lstStyle/>
-          <a:p>
-            <a:endParaRPr lang="fr-FR"/>
-          </a:p>
-        </p:txBody>
-      </p:sp>
-      <p:sp>
-        <p:nvSpPr>
-          <p:cNvPr id="9" name="Espace réservé du numéro de diapositive 8"/>
-          <p:cNvSpPr>
-            <a:spLocks noGrp="1"/>
-          </p:cNvSpPr>
-          <p:nvPr>
-            <p:ph type="sldNum" sz="quarter" idx="12"/>
-          </p:nvPr>
-        </p:nvSpPr>
-        <p:spPr/>
-        <p:txBody>
-          <a:bodyPr/>
-          <a:lstStyle/>
-          <a:p>
-            <a:fld id="{DC062FA9-FE1E-4553-BF9F-5A99BD99EA25}" type="slidenum">
-              <a:rPr lang="fr-FR" smtClean="0"/>
-              <a:t>‹N°›</a:t>
-            </a:fld>
-            <a:endParaRPr lang="fr-FR"/>
-          </a:p>
-        </p:txBody>
-      </p:sp>
-    </p:spTree>
-    <p:extLst>
-      <p:ext uri="{BB962C8B-B14F-4D97-AF65-F5344CB8AC3E}">
-        <p14:creationId xmlns:p14="http://schemas.microsoft.com/office/powerpoint/2010/main" val="3296798648"/>
-      </p:ext>
-    </p:extLst>
-  </p:cSld>
-  <p:clrMapOvr>
-    <a:masterClrMapping/>
-  </p:clrMapOvr>
-</p:sldLayout>
-</file>
-
-<file path=ppt/slideLayouts/slideLayout12.xml><?xml version="1.0" encoding="utf-8"?>
-<p:sldLayout xmlns:a="http://schemas.openxmlformats.org/drawingml/2006/main" xmlns:r="http://schemas.openxmlformats.org/officeDocument/2006/relationships" xmlns:p="http://schemas.openxmlformats.org/presentationml/2006/main" type="titleOnly" preserve="1">
-  <p:cSld name="Titre seul">
-    <p:spTree>
-      <p:nvGrpSpPr>
-        <p:cNvPr id="1" name=""/>
-        <p:cNvGrpSpPr/>
-        <p:nvPr/>
-      </p:nvGrpSpPr>
-      <p:grpSpPr>
-        <a:xfrm>
-          <a:off x="0" y="0"/>
-          <a:ext cx="0" cy="0"/>
-          <a:chOff x="0" y="0"/>
-          <a:chExt cx="0" cy="0"/>
-        </a:xfrm>
-      </p:grpSpPr>
-      <p:sp>
-        <p:nvSpPr>
-          <p:cNvPr id="2" name="Titre 1"/>
-          <p:cNvSpPr>
-            <a:spLocks noGrp="1"/>
-          </p:cNvSpPr>
-          <p:nvPr>
-            <p:ph type="title"/>
-          </p:nvPr>
-        </p:nvSpPr>
-        <p:spPr/>
-        <p:txBody>
-          <a:bodyPr/>
-          <a:lstStyle/>
-          <a:p>
-            <a:r>
-              <a:rPr lang="fr-FR" smtClean="0"/>
-              <a:t>Modifiez le style du titre</a:t>
-            </a:r>
-            <a:endParaRPr lang="fr-FR"/>
-          </a:p>
-        </p:txBody>
-      </p:sp>
-      <p:sp>
-        <p:nvSpPr>
-          <p:cNvPr id="3" name="Espace réservé de la date 2"/>
-          <p:cNvSpPr>
-            <a:spLocks noGrp="1"/>
-          </p:cNvSpPr>
-          <p:nvPr>
-            <p:ph type="dt" sz="half" idx="10"/>
-          </p:nvPr>
-        </p:nvSpPr>
-        <p:spPr/>
-        <p:txBody>
-          <a:bodyPr/>
-          <a:lstStyle/>
-          <a:p>
-            <a:endParaRPr lang="fr-FR"/>
-          </a:p>
-        </p:txBody>
-      </p:sp>
-      <p:sp>
-        <p:nvSpPr>
-          <p:cNvPr id="4" name="Espace réservé du pied de page 3"/>
-          <p:cNvSpPr>
-            <a:spLocks noGrp="1"/>
-          </p:cNvSpPr>
-          <p:nvPr>
-            <p:ph type="ftr" sz="quarter" idx="11"/>
-          </p:nvPr>
-        </p:nvSpPr>
-        <p:spPr/>
-        <p:txBody>
-          <a:bodyPr/>
-          <a:lstStyle/>
-          <a:p>
-            <a:endParaRPr lang="fr-FR"/>
-          </a:p>
-        </p:txBody>
-      </p:sp>
-      <p:sp>
-        <p:nvSpPr>
-          <p:cNvPr id="5" name="Espace réservé du numéro de diapositive 4"/>
-          <p:cNvSpPr>
-            <a:spLocks noGrp="1"/>
-          </p:cNvSpPr>
-          <p:nvPr>
-            <p:ph type="sldNum" sz="quarter" idx="12"/>
-          </p:nvPr>
-        </p:nvSpPr>
-        <p:spPr/>
-        <p:txBody>
-          <a:bodyPr/>
-          <a:lstStyle/>
-          <a:p>
-            <a:fld id="{DC062FA9-FE1E-4553-BF9F-5A99BD99EA25}" type="slidenum">
-              <a:rPr lang="fr-FR" smtClean="0"/>
-              <a:t>‹N°›</a:t>
-            </a:fld>
-            <a:endParaRPr lang="fr-FR"/>
-          </a:p>
-        </p:txBody>
-      </p:sp>
-    </p:spTree>
-    <p:extLst>
-      <p:ext uri="{BB962C8B-B14F-4D97-AF65-F5344CB8AC3E}">
-        <p14:creationId xmlns:p14="http://schemas.microsoft.com/office/powerpoint/2010/main" val="3572223463"/>
-      </p:ext>
-    </p:extLst>
-  </p:cSld>
-  <p:clrMapOvr>
-    <a:masterClrMapping/>
-  </p:clrMapOvr>
-</p:sldLayout>
-</file>
-
-<file path=ppt/slideLayouts/slideLayout13.xml><?xml version="1.0" encoding="utf-8"?>
-<p:sldLayout xmlns:a="http://schemas.openxmlformats.org/drawingml/2006/main" xmlns:r="http://schemas.openxmlformats.org/officeDocument/2006/relationships" xmlns:p="http://schemas.openxmlformats.org/presentationml/2006/main" type="blank" preserve="1">
-  <p:cSld name="Vide">
-    <p:spTree>
-      <p:nvGrpSpPr>
-        <p:cNvPr id="1" name=""/>
-        <p:cNvGrpSpPr/>
-        <p:nvPr/>
-      </p:nvGrpSpPr>
-      <p:grpSpPr>
-        <a:xfrm>
-          <a:off x="0" y="0"/>
-          <a:ext cx="0" cy="0"/>
-          <a:chOff x="0" y="0"/>
-          <a:chExt cx="0" cy="0"/>
-        </a:xfrm>
-      </p:grpSpPr>
-      <p:sp>
-        <p:nvSpPr>
-          <p:cNvPr id="2" name="Espace réservé de la date 1"/>
-          <p:cNvSpPr>
-            <a:spLocks noGrp="1"/>
-          </p:cNvSpPr>
-          <p:nvPr>
-            <p:ph type="dt" sz="half" idx="10"/>
-          </p:nvPr>
-        </p:nvSpPr>
-        <p:spPr/>
-        <p:txBody>
-          <a:bodyPr/>
-          <a:lstStyle/>
-          <a:p>
-            <a:endParaRPr lang="fr-FR"/>
-          </a:p>
-        </p:txBody>
-      </p:sp>
-      <p:sp>
-        <p:nvSpPr>
-          <p:cNvPr id="3" name="Espace réservé du pied de page 2"/>
-          <p:cNvSpPr>
-            <a:spLocks noGrp="1"/>
-          </p:cNvSpPr>
-          <p:nvPr>
-            <p:ph type="ftr" sz="quarter" idx="11"/>
-          </p:nvPr>
-        </p:nvSpPr>
-        <p:spPr/>
-        <p:txBody>
-          <a:bodyPr/>
-          <a:lstStyle/>
-          <a:p>
-            <a:endParaRPr lang="fr-FR"/>
-          </a:p>
-        </p:txBody>
-      </p:sp>
-      <p:sp>
-        <p:nvSpPr>
-          <p:cNvPr id="4" name="Espace réservé du numéro de diapositive 3"/>
-          <p:cNvSpPr>
-            <a:spLocks noGrp="1"/>
-          </p:cNvSpPr>
-          <p:nvPr>
-            <p:ph type="sldNum" sz="quarter" idx="12"/>
-          </p:nvPr>
-        </p:nvSpPr>
-        <p:spPr/>
-        <p:txBody>
-          <a:bodyPr/>
-          <a:lstStyle/>
-          <a:p>
-            <a:fld id="{DC062FA9-FE1E-4553-BF9F-5A99BD99EA25}" type="slidenum">
-              <a:rPr lang="fr-FR" smtClean="0"/>
-              <a:t>‹N°›</a:t>
-            </a:fld>
-            <a:endParaRPr lang="fr-FR"/>
-          </a:p>
-        </p:txBody>
-      </p:sp>
-    </p:spTree>
-    <p:extLst>
-      <p:ext uri="{BB962C8B-B14F-4D97-AF65-F5344CB8AC3E}">
-        <p14:creationId xmlns:p14="http://schemas.microsoft.com/office/powerpoint/2010/main" val="907317817"/>
-      </p:ext>
-    </p:extLst>
-  </p:cSld>
-  <p:clrMapOvr>
-    <a:masterClrMapping/>
-  </p:clrMapOvr>
-</p:sldLayout>
-</file>
-
-<file path=ppt/slideLayouts/slideLayout14.xml><?xml version="1.0" encoding="utf-8"?>
-<p:sldLayout xmlns:a="http://schemas.openxmlformats.org/drawingml/2006/main" xmlns:r="http://schemas.openxmlformats.org/officeDocument/2006/relationships" xmlns:p="http://schemas.openxmlformats.org/presentationml/2006/main" type="objTx" preserve="1">
-  <p:cSld name="Contenu avec légende">
-    <p:spTree>
-      <p:nvGrpSpPr>
-        <p:cNvPr id="1" name=""/>
-        <p:cNvGrpSpPr/>
-        <p:nvPr/>
-      </p:nvGrpSpPr>
-      <p:grpSpPr>
-        <a:xfrm>
-          <a:off x="0" y="0"/>
-          <a:ext cx="0" cy="0"/>
-          <a:chOff x="0" y="0"/>
-          <a:chExt cx="0" cy="0"/>
-        </a:xfrm>
-      </p:grpSpPr>
-      <p:sp>
-        <p:nvSpPr>
-          <p:cNvPr id="2" name="Titre 1"/>
-          <p:cNvSpPr>
-            <a:spLocks noGrp="1"/>
-          </p:cNvSpPr>
-          <p:nvPr>
-            <p:ph type="title"/>
-          </p:nvPr>
-        </p:nvSpPr>
-        <p:spPr>
-          <a:xfrm>
-            <a:off x="839788" y="457200"/>
-            <a:ext cx="3932237" cy="1600200"/>
-          </a:xfrm>
-        </p:spPr>
-        <p:txBody>
-          <a:bodyPr anchor="b"/>
-          <a:lstStyle>
-            <a:lvl1pPr>
-              <a:defRPr sz="3200"/>
-            </a:lvl1pPr>
-          </a:lstStyle>
-          <a:p>
-            <a:r>
-              <a:rPr lang="fr-FR" smtClean="0"/>
-              <a:t>Modifiez le style du titre</a:t>
-            </a:r>
-            <a:endParaRPr lang="fr-FR"/>
-          </a:p>
-        </p:txBody>
-      </p:sp>
-      <p:sp>
-        <p:nvSpPr>
-          <p:cNvPr id="3" name="Espace réservé du contenu 2"/>
-          <p:cNvSpPr>
-            <a:spLocks noGrp="1"/>
-          </p:cNvSpPr>
-          <p:nvPr>
-            <p:ph idx="1"/>
-          </p:nvPr>
-        </p:nvSpPr>
-        <p:spPr>
-          <a:xfrm>
-            <a:off x="5183188" y="987425"/>
-            <a:ext cx="6172200" cy="4873625"/>
-          </a:xfrm>
-        </p:spPr>
-        <p:txBody>
-          <a:bodyPr/>
-          <a:lstStyle>
-            <a:lvl1pPr>
-              <a:defRPr sz="3200"/>
-            </a:lvl1pPr>
-            <a:lvl2pPr>
-              <a:defRPr sz="2800"/>
-            </a:lvl2pPr>
-            <a:lvl3pPr>
-              <a:defRPr sz="2400"/>
-            </a:lvl3pPr>
-            <a:lvl4pPr>
-              <a:defRPr sz="2000"/>
-            </a:lvl4pPr>
-            <a:lvl5pPr>
-              <a:defRPr sz="2000"/>
-            </a:lvl5pPr>
-            <a:lvl6pPr>
-              <a:defRPr sz="2000"/>
-            </a:lvl6pPr>
-            <a:lvl7pPr>
-              <a:defRPr sz="2000"/>
-            </a:lvl7pPr>
-            <a:lvl8pPr>
-              <a:defRPr sz="2000"/>
-            </a:lvl8pPr>
-            <a:lvl9pPr>
-              <a:defRPr sz="2000"/>
-            </a:lvl9pPr>
-          </a:lstStyle>
-          <a:p>
-            <a:pPr lvl="0"/>
-            <a:r>
-              <a:rPr lang="fr-FR" smtClean="0"/>
-              <a:t>Modifiez les styles du texte du masque</a:t>
-            </a:r>
-          </a:p>
-          <a:p>
-            <a:pPr lvl="1"/>
-            <a:r>
-              <a:rPr lang="fr-FR" smtClean="0"/>
-              <a:t>Deuxième niveau</a:t>
-            </a:r>
-          </a:p>
-          <a:p>
-            <a:pPr lvl="2"/>
-            <a:r>
-              <a:rPr lang="fr-FR" smtClean="0"/>
-              <a:t>Troisième niveau</a:t>
-            </a:r>
-          </a:p>
-          <a:p>
-            <a:pPr lvl="3"/>
-            <a:r>
-              <a:rPr lang="fr-FR" smtClean="0"/>
-              <a:t>Quatrième niveau</a:t>
-            </a:r>
-          </a:p>
-          <a:p>
-            <a:pPr lvl="4"/>
-            <a:r>
-              <a:rPr lang="fr-FR" smtClean="0"/>
-              <a:t>Cinquième niveau</a:t>
-            </a:r>
-            <a:endParaRPr lang="fr-FR"/>
-          </a:p>
-        </p:txBody>
-      </p:sp>
-      <p:sp>
-        <p:nvSpPr>
-          <p:cNvPr id="4" name="Espace réservé du texte 3"/>
-          <p:cNvSpPr>
-            <a:spLocks noGrp="1"/>
-          </p:cNvSpPr>
-          <p:nvPr>
-            <p:ph type="body" sz="half" idx="2"/>
-          </p:nvPr>
-        </p:nvSpPr>
-        <p:spPr>
-          <a:xfrm>
-            <a:off x="839788" y="2057400"/>
-            <a:ext cx="3932237" cy="3811588"/>
-          </a:xfrm>
-        </p:spPr>
-        <p:txBody>
-          <a:bodyPr/>
-          <a:lstStyle>
-            <a:lvl1pPr marL="0" indent="0">
-              <a:buNone/>
-              <a:defRPr sz="1600"/>
-            </a:lvl1pPr>
-            <a:lvl2pPr marL="457200" indent="0">
-              <a:buNone/>
-              <a:defRPr sz="1400"/>
-            </a:lvl2pPr>
-            <a:lvl3pPr marL="914400" indent="0">
-              <a:buNone/>
-              <a:defRPr sz="1200"/>
-            </a:lvl3pPr>
-            <a:lvl4pPr marL="1371600" indent="0">
-              <a:buNone/>
-              <a:defRPr sz="1000"/>
-            </a:lvl4pPr>
-            <a:lvl5pPr marL="1828800" indent="0">
-              <a:buNone/>
-              <a:defRPr sz="1000"/>
-            </a:lvl5pPr>
-            <a:lvl6pPr marL="2286000" indent="0">
-              <a:buNone/>
-              <a:defRPr sz="1000"/>
-            </a:lvl6pPr>
-            <a:lvl7pPr marL="2743200" indent="0">
-              <a:buNone/>
-              <a:defRPr sz="1000"/>
-            </a:lvl7pPr>
-            <a:lvl8pPr marL="3200400" indent="0">
-              <a:buNone/>
-              <a:defRPr sz="1000"/>
-            </a:lvl8pPr>
-            <a:lvl9pPr marL="3657600" indent="0">
-              <a:buNone/>
-              <a:defRPr sz="1000"/>
-            </a:lvl9pPr>
-          </a:lstStyle>
-          <a:p>
-            <a:pPr lvl="0"/>
-            <a:r>
-              <a:rPr lang="fr-FR" smtClean="0"/>
-              <a:t>Modifiez les styles du texte du masque</a:t>
-            </a:r>
-          </a:p>
-        </p:txBody>
-      </p:sp>
-      <p:sp>
-        <p:nvSpPr>
-          <p:cNvPr id="5" name="Espace réservé de la date 4"/>
-          <p:cNvSpPr>
-            <a:spLocks noGrp="1"/>
-          </p:cNvSpPr>
-          <p:nvPr>
-            <p:ph type="dt" sz="half" idx="10"/>
-          </p:nvPr>
-        </p:nvSpPr>
-        <p:spPr/>
-        <p:txBody>
-          <a:bodyPr/>
-          <a:lstStyle/>
-          <a:p>
-            <a:endParaRPr lang="fr-FR"/>
-          </a:p>
-        </p:txBody>
-      </p:sp>
-      <p:sp>
-        <p:nvSpPr>
-          <p:cNvPr id="6" name="Espace réservé du pied de page 5"/>
-          <p:cNvSpPr>
-            <a:spLocks noGrp="1"/>
-          </p:cNvSpPr>
-          <p:nvPr>
-            <p:ph type="ftr" sz="quarter" idx="11"/>
-          </p:nvPr>
-        </p:nvSpPr>
-        <p:spPr/>
-        <p:txBody>
-          <a:bodyPr/>
-          <a:lstStyle/>
-          <a:p>
-            <a:endParaRPr lang="fr-FR"/>
-          </a:p>
-        </p:txBody>
-      </p:sp>
-      <p:sp>
-        <p:nvSpPr>
-          <p:cNvPr id="7" name="Espace réservé du numéro de diapositive 6"/>
-          <p:cNvSpPr>
-            <a:spLocks noGrp="1"/>
-          </p:cNvSpPr>
-          <p:nvPr>
-            <p:ph type="sldNum" sz="quarter" idx="12"/>
-          </p:nvPr>
-        </p:nvSpPr>
-        <p:spPr/>
-        <p:txBody>
-          <a:bodyPr/>
-          <a:lstStyle/>
-          <a:p>
-            <a:fld id="{DC062FA9-FE1E-4553-BF9F-5A99BD99EA25}" type="slidenum">
-              <a:rPr lang="fr-FR" smtClean="0"/>
-              <a:t>‹N°›</a:t>
-            </a:fld>
-            <a:endParaRPr lang="fr-FR"/>
-          </a:p>
-        </p:txBody>
-      </p:sp>
-    </p:spTree>
-    <p:extLst>
-      <p:ext uri="{BB962C8B-B14F-4D97-AF65-F5344CB8AC3E}">
-        <p14:creationId xmlns:p14="http://schemas.microsoft.com/office/powerpoint/2010/main" val="783354541"/>
-      </p:ext>
-    </p:extLst>
-  </p:cSld>
-  <p:clrMapOvr>
-    <a:masterClrMapping/>
-  </p:clrMapOvr>
-</p:sldLayout>
-</file>
-
-<file path=ppt/slideLayouts/slideLayout15.xml><?xml version="1.0" encoding="utf-8"?>
-<p:sldLayout xmlns:a="http://schemas.openxmlformats.org/drawingml/2006/main" xmlns:r="http://schemas.openxmlformats.org/officeDocument/2006/relationships" xmlns:p="http://schemas.openxmlformats.org/presentationml/2006/main" type="picTx" preserve="1">
-  <p:cSld name="Image avec légende">
-    <p:spTree>
-      <p:nvGrpSpPr>
-        <p:cNvPr id="1" name=""/>
-        <p:cNvGrpSpPr/>
-        <p:nvPr/>
-      </p:nvGrpSpPr>
-      <p:grpSpPr>
-        <a:xfrm>
-          <a:off x="0" y="0"/>
-          <a:ext cx="0" cy="0"/>
-          <a:chOff x="0" y="0"/>
-          <a:chExt cx="0" cy="0"/>
-        </a:xfrm>
-      </p:grpSpPr>
-      <p:sp>
-        <p:nvSpPr>
-          <p:cNvPr id="2" name="Titre 1"/>
-          <p:cNvSpPr>
-            <a:spLocks noGrp="1"/>
-          </p:cNvSpPr>
-          <p:nvPr>
-            <p:ph type="title"/>
-          </p:nvPr>
-        </p:nvSpPr>
-        <p:spPr>
-          <a:xfrm>
-            <a:off x="839788" y="457200"/>
-            <a:ext cx="3932237" cy="1600200"/>
-          </a:xfrm>
-        </p:spPr>
-        <p:txBody>
-          <a:bodyPr anchor="b"/>
-          <a:lstStyle>
-            <a:lvl1pPr>
-              <a:defRPr sz="3200"/>
-            </a:lvl1pPr>
-          </a:lstStyle>
-          <a:p>
-            <a:r>
-              <a:rPr lang="fr-FR" smtClean="0"/>
-              <a:t>Modifiez le style du titre</a:t>
-            </a:r>
-            <a:endParaRPr lang="fr-FR"/>
-          </a:p>
-        </p:txBody>
-      </p:sp>
-      <p:sp>
-        <p:nvSpPr>
-          <p:cNvPr id="3" name="Espace réservé pour une image  2"/>
-          <p:cNvSpPr>
-            <a:spLocks noGrp="1"/>
-          </p:cNvSpPr>
-          <p:nvPr>
-            <p:ph type="pic" idx="1"/>
-          </p:nvPr>
-        </p:nvSpPr>
-        <p:spPr>
-          <a:xfrm>
-            <a:off x="5183188" y="987425"/>
-            <a:ext cx="6172200" cy="4873625"/>
-          </a:xfrm>
-        </p:spPr>
-        <p:txBody>
-          <a:bodyPr/>
-          <a:lstStyle>
-            <a:lvl1pPr marL="0" indent="0">
-              <a:buNone/>
-              <a:defRPr sz="3200"/>
-            </a:lvl1pPr>
-            <a:lvl2pPr marL="457200" indent="0">
-              <a:buNone/>
-              <a:defRPr sz="2800"/>
-            </a:lvl2pPr>
-            <a:lvl3pPr marL="914400" indent="0">
-              <a:buNone/>
-              <a:defRPr sz="2400"/>
-            </a:lvl3pPr>
-            <a:lvl4pPr marL="1371600" indent="0">
-              <a:buNone/>
-              <a:defRPr sz="2000"/>
-            </a:lvl4pPr>
-            <a:lvl5pPr marL="1828800" indent="0">
-              <a:buNone/>
-              <a:defRPr sz="2000"/>
-            </a:lvl5pPr>
-            <a:lvl6pPr marL="2286000" indent="0">
-              <a:buNone/>
-              <a:defRPr sz="2000"/>
-            </a:lvl6pPr>
-            <a:lvl7pPr marL="2743200" indent="0">
-              <a:buNone/>
-              <a:defRPr sz="2000"/>
-            </a:lvl7pPr>
-            <a:lvl8pPr marL="3200400" indent="0">
-              <a:buNone/>
-              <a:defRPr sz="2000"/>
-            </a:lvl8pPr>
-            <a:lvl9pPr marL="3657600" indent="0">
-              <a:buNone/>
-              <a:defRPr sz="2000"/>
-            </a:lvl9pPr>
-          </a:lstStyle>
-          <a:p>
-            <a:endParaRPr lang="fr-FR"/>
-          </a:p>
-        </p:txBody>
-      </p:sp>
-      <p:sp>
-        <p:nvSpPr>
-          <p:cNvPr id="4" name="Espace réservé du texte 3"/>
-          <p:cNvSpPr>
-            <a:spLocks noGrp="1"/>
-          </p:cNvSpPr>
-          <p:nvPr>
-            <p:ph type="body" sz="half" idx="2"/>
-          </p:nvPr>
-        </p:nvSpPr>
-        <p:spPr>
-          <a:xfrm>
-            <a:off x="839788" y="2057400"/>
-            <a:ext cx="3932237" cy="3811588"/>
-          </a:xfrm>
-        </p:spPr>
-        <p:txBody>
-          <a:bodyPr/>
-          <a:lstStyle>
-            <a:lvl1pPr marL="0" indent="0">
-              <a:buNone/>
-              <a:defRPr sz="1600"/>
-            </a:lvl1pPr>
-            <a:lvl2pPr marL="457200" indent="0">
-              <a:buNone/>
-              <a:defRPr sz="1400"/>
-            </a:lvl2pPr>
-            <a:lvl3pPr marL="914400" indent="0">
-              <a:buNone/>
-              <a:defRPr sz="1200"/>
-            </a:lvl3pPr>
-            <a:lvl4pPr marL="1371600" indent="0">
-              <a:buNone/>
-              <a:defRPr sz="1000"/>
-            </a:lvl4pPr>
-            <a:lvl5pPr marL="1828800" indent="0">
-              <a:buNone/>
-              <a:defRPr sz="1000"/>
-            </a:lvl5pPr>
-            <a:lvl6pPr marL="2286000" indent="0">
-              <a:buNone/>
-              <a:defRPr sz="1000"/>
-            </a:lvl6pPr>
-            <a:lvl7pPr marL="2743200" indent="0">
-              <a:buNone/>
-              <a:defRPr sz="1000"/>
-            </a:lvl7pPr>
-            <a:lvl8pPr marL="3200400" indent="0">
-              <a:buNone/>
-              <a:defRPr sz="1000"/>
-            </a:lvl8pPr>
-            <a:lvl9pPr marL="3657600" indent="0">
-              <a:buNone/>
-              <a:defRPr sz="1000"/>
-            </a:lvl9pPr>
-          </a:lstStyle>
-          <a:p>
-            <a:pPr lvl="0"/>
-            <a:r>
-              <a:rPr lang="fr-FR" smtClean="0"/>
-              <a:t>Modifiez les styles du texte du masque</a:t>
-            </a:r>
-          </a:p>
-        </p:txBody>
-      </p:sp>
-      <p:sp>
-        <p:nvSpPr>
-          <p:cNvPr id="5" name="Espace réservé de la date 4"/>
-          <p:cNvSpPr>
-            <a:spLocks noGrp="1"/>
-          </p:cNvSpPr>
-          <p:nvPr>
-            <p:ph type="dt" sz="half" idx="10"/>
-          </p:nvPr>
-        </p:nvSpPr>
-        <p:spPr/>
-        <p:txBody>
-          <a:bodyPr/>
-          <a:lstStyle/>
-          <a:p>
-            <a:endParaRPr lang="fr-FR"/>
-          </a:p>
-        </p:txBody>
-      </p:sp>
-      <p:sp>
-        <p:nvSpPr>
-          <p:cNvPr id="6" name="Espace réservé du pied de page 5"/>
-          <p:cNvSpPr>
-            <a:spLocks noGrp="1"/>
-          </p:cNvSpPr>
-          <p:nvPr>
-            <p:ph type="ftr" sz="quarter" idx="11"/>
-          </p:nvPr>
-        </p:nvSpPr>
-        <p:spPr/>
-        <p:txBody>
-          <a:bodyPr/>
-          <a:lstStyle/>
-          <a:p>
-            <a:endParaRPr lang="fr-FR"/>
-          </a:p>
-        </p:txBody>
-      </p:sp>
-      <p:sp>
-        <p:nvSpPr>
-          <p:cNvPr id="7" name="Espace réservé du numéro de diapositive 6"/>
-          <p:cNvSpPr>
-            <a:spLocks noGrp="1"/>
-          </p:cNvSpPr>
-          <p:nvPr>
-            <p:ph type="sldNum" sz="quarter" idx="12"/>
-          </p:nvPr>
-        </p:nvSpPr>
-        <p:spPr/>
-        <p:txBody>
-          <a:bodyPr/>
-          <a:lstStyle/>
-          <a:p>
-            <a:fld id="{DC062FA9-FE1E-4553-BF9F-5A99BD99EA25}" type="slidenum">
-              <a:rPr lang="fr-FR" smtClean="0"/>
-              <a:t>‹N°›</a:t>
-            </a:fld>
-            <a:endParaRPr lang="fr-FR"/>
-          </a:p>
-        </p:txBody>
-      </p:sp>
-    </p:spTree>
-    <p:extLst>
-      <p:ext uri="{BB962C8B-B14F-4D97-AF65-F5344CB8AC3E}">
-        <p14:creationId xmlns:p14="http://schemas.microsoft.com/office/powerpoint/2010/main" val="3634217464"/>
-      </p:ext>
-    </p:extLst>
-  </p:cSld>
-  <p:clrMapOvr>
-    <a:masterClrMapping/>
-  </p:clrMapOvr>
-</p:sldLayout>
-</file>
-
-<file path=ppt/slideLayouts/slideLayout16.xml><?xml version="1.0" encoding="utf-8"?>
-<p:sldLayout xmlns:a="http://schemas.openxmlformats.org/drawingml/2006/main" xmlns:r="http://schemas.openxmlformats.org/officeDocument/2006/relationships" xmlns:p="http://schemas.openxmlformats.org/presentationml/2006/main" type="vertTx" preserve="1">
-  <p:cSld name="Titre et texte vertical">
-    <p:spTree>
-      <p:nvGrpSpPr>
-        <p:cNvPr id="1" name=""/>
-        <p:cNvGrpSpPr/>
-        <p:nvPr/>
-      </p:nvGrpSpPr>
-      <p:grpSpPr>
-        <a:xfrm>
-          <a:off x="0" y="0"/>
-          <a:ext cx="0" cy="0"/>
-          <a:chOff x="0" y="0"/>
-          <a:chExt cx="0" cy="0"/>
-        </a:xfrm>
-      </p:grpSpPr>
-      <p:sp>
-        <p:nvSpPr>
-          <p:cNvPr id="2" name="Titre 1"/>
-          <p:cNvSpPr>
-            <a:spLocks noGrp="1"/>
-          </p:cNvSpPr>
-          <p:nvPr>
-            <p:ph type="title"/>
-          </p:nvPr>
-        </p:nvSpPr>
-        <p:spPr/>
-        <p:txBody>
-          <a:bodyPr/>
-          <a:lstStyle/>
-          <a:p>
-            <a:r>
-              <a:rPr lang="fr-FR" smtClean="0"/>
-              <a:t>Modifiez le style du titre</a:t>
-            </a:r>
-            <a:endParaRPr lang="fr-FR"/>
-          </a:p>
-        </p:txBody>
-      </p:sp>
-      <p:sp>
-        <p:nvSpPr>
-          <p:cNvPr id="3" name="Espace réservé du texte vertical 2"/>
-          <p:cNvSpPr>
-            <a:spLocks noGrp="1"/>
-          </p:cNvSpPr>
-          <p:nvPr>
-            <p:ph type="body" orient="vert" idx="1"/>
-          </p:nvPr>
-        </p:nvSpPr>
-        <p:spPr/>
-        <p:txBody>
-          <a:bodyPr vert="eaVert"/>
-          <a:lstStyle/>
-          <a:p>
-            <a:pPr lvl="0"/>
-            <a:r>
-              <a:rPr lang="fr-FR" smtClean="0"/>
-              <a:t>Modifiez les styles du texte du masque</a:t>
-            </a:r>
-          </a:p>
-          <a:p>
-            <a:pPr lvl="1"/>
-            <a:r>
-              <a:rPr lang="fr-FR" smtClean="0"/>
-              <a:t>Deuxième niveau</a:t>
-            </a:r>
-          </a:p>
-          <a:p>
-            <a:pPr lvl="2"/>
-            <a:r>
-              <a:rPr lang="fr-FR" smtClean="0"/>
-              <a:t>Troisième niveau</a:t>
-            </a:r>
-          </a:p>
-          <a:p>
-            <a:pPr lvl="3"/>
-            <a:r>
-              <a:rPr lang="fr-FR" smtClean="0"/>
-              <a:t>Quatrième niveau</a:t>
-            </a:r>
-          </a:p>
-          <a:p>
-            <a:pPr lvl="4"/>
-            <a:r>
-              <a:rPr lang="fr-FR" smtClean="0"/>
-              <a:t>Cinquième niveau</a:t>
-            </a:r>
-            <a:endParaRPr lang="fr-FR"/>
-          </a:p>
-        </p:txBody>
-      </p:sp>
-      <p:sp>
-        <p:nvSpPr>
-          <p:cNvPr id="4" name="Espace réservé de la date 3"/>
-          <p:cNvSpPr>
-            <a:spLocks noGrp="1"/>
-          </p:cNvSpPr>
-          <p:nvPr>
-            <p:ph type="dt" sz="half" idx="10"/>
-          </p:nvPr>
-        </p:nvSpPr>
-        <p:spPr/>
-        <p:txBody>
-          <a:bodyPr/>
-          <a:lstStyle/>
-          <a:p>
-            <a:endParaRPr lang="fr-FR"/>
-          </a:p>
-        </p:txBody>
-      </p:sp>
-      <p:sp>
-        <p:nvSpPr>
-          <p:cNvPr id="5" name="Espace réservé du pied de page 4"/>
-          <p:cNvSpPr>
-            <a:spLocks noGrp="1"/>
-          </p:cNvSpPr>
-          <p:nvPr>
-            <p:ph type="ftr" sz="quarter" idx="11"/>
-          </p:nvPr>
-        </p:nvSpPr>
-        <p:spPr/>
-        <p:txBody>
-          <a:bodyPr/>
-          <a:lstStyle/>
-          <a:p>
-            <a:endParaRPr lang="fr-FR"/>
-          </a:p>
-        </p:txBody>
-      </p:sp>
-      <p:sp>
-        <p:nvSpPr>
-          <p:cNvPr id="6" name="Espace réservé du numéro de diapositive 5"/>
-          <p:cNvSpPr>
-            <a:spLocks noGrp="1"/>
-          </p:cNvSpPr>
-          <p:nvPr>
-            <p:ph type="sldNum" sz="quarter" idx="12"/>
-          </p:nvPr>
-        </p:nvSpPr>
-        <p:spPr/>
-        <p:txBody>
-          <a:bodyPr/>
-          <a:lstStyle/>
-          <a:p>
-            <a:fld id="{DC062FA9-FE1E-4553-BF9F-5A99BD99EA25}" type="slidenum">
-              <a:rPr lang="fr-FR" smtClean="0"/>
-              <a:t>‹N°›</a:t>
-            </a:fld>
-            <a:endParaRPr lang="fr-FR"/>
-          </a:p>
-        </p:txBody>
-      </p:sp>
-    </p:spTree>
-    <p:extLst>
-      <p:ext uri="{BB962C8B-B14F-4D97-AF65-F5344CB8AC3E}">
-        <p14:creationId xmlns:p14="http://schemas.microsoft.com/office/powerpoint/2010/main" val="3994503294"/>
-      </p:ext>
-    </p:extLst>
-  </p:cSld>
-  <p:clrMapOvr>
-    <a:masterClrMapping/>
-  </p:clrMapOvr>
-</p:sldLayout>
-</file>
-
-<file path=ppt/slideLayouts/slideLayout17.xml><?xml version="1.0" encoding="utf-8"?>
-<p:sldLayout xmlns:a="http://schemas.openxmlformats.org/drawingml/2006/main" xmlns:r="http://schemas.openxmlformats.org/officeDocument/2006/relationships" xmlns:p="http://schemas.openxmlformats.org/presentationml/2006/main" type="vertTitleAndTx" preserve="1">
-  <p:cSld name="Titre vertical et texte">
-    <p:spTree>
-      <p:nvGrpSpPr>
-        <p:cNvPr id="1" name=""/>
-        <p:cNvGrpSpPr/>
-        <p:nvPr/>
-      </p:nvGrpSpPr>
-      <p:grpSpPr>
-        <a:xfrm>
-          <a:off x="0" y="0"/>
-          <a:ext cx="0" cy="0"/>
-          <a:chOff x="0" y="0"/>
-          <a:chExt cx="0" cy="0"/>
-        </a:xfrm>
-      </p:grpSpPr>
-      <p:sp>
-        <p:nvSpPr>
-          <p:cNvPr id="2" name="Titre vertical 1"/>
-          <p:cNvSpPr>
-            <a:spLocks noGrp="1"/>
-          </p:cNvSpPr>
-          <p:nvPr>
-            <p:ph type="title" orient="vert"/>
-          </p:nvPr>
-        </p:nvSpPr>
-        <p:spPr>
-          <a:xfrm>
-            <a:off x="8724900" y="365125"/>
-            <a:ext cx="2628900" cy="5811838"/>
-          </a:xfrm>
-        </p:spPr>
-        <p:txBody>
-          <a:bodyPr vert="eaVert"/>
-          <a:lstStyle/>
-          <a:p>
-            <a:r>
-              <a:rPr lang="fr-FR" smtClean="0"/>
-              <a:t>Modifiez le style du titre</a:t>
-            </a:r>
-            <a:endParaRPr lang="fr-FR"/>
-          </a:p>
-        </p:txBody>
-      </p:sp>
-      <p:sp>
-        <p:nvSpPr>
-          <p:cNvPr id="3" name="Espace réservé du texte vertical 2"/>
-          <p:cNvSpPr>
-            <a:spLocks noGrp="1"/>
-          </p:cNvSpPr>
-          <p:nvPr>
-            <p:ph type="body" orient="vert" idx="1"/>
-          </p:nvPr>
-        </p:nvSpPr>
-        <p:spPr>
-          <a:xfrm>
-            <a:off x="838200" y="365125"/>
-            <a:ext cx="7734300" cy="5811838"/>
-          </a:xfrm>
-        </p:spPr>
-        <p:txBody>
-          <a:bodyPr vert="eaVert"/>
-          <a:lstStyle/>
-          <a:p>
-            <a:pPr lvl="0"/>
-            <a:r>
-              <a:rPr lang="fr-FR" smtClean="0"/>
-              <a:t>Modifiez les styles du texte du masque</a:t>
-            </a:r>
-          </a:p>
-          <a:p>
-            <a:pPr lvl="1"/>
-            <a:r>
-              <a:rPr lang="fr-FR" smtClean="0"/>
-              <a:t>Deuxième niveau</a:t>
-            </a:r>
-          </a:p>
-          <a:p>
-            <a:pPr lvl="2"/>
-            <a:r>
-              <a:rPr lang="fr-FR" smtClean="0"/>
-              <a:t>Troisième niveau</a:t>
-            </a:r>
-          </a:p>
-          <a:p>
-            <a:pPr lvl="3"/>
-            <a:r>
-              <a:rPr lang="fr-FR" smtClean="0"/>
-              <a:t>Quatrième niveau</a:t>
-            </a:r>
-          </a:p>
-          <a:p>
-            <a:pPr lvl="4"/>
-            <a:r>
-              <a:rPr lang="fr-FR" smtClean="0"/>
-              <a:t>Cinquième niveau</a:t>
-            </a:r>
-            <a:endParaRPr lang="fr-FR"/>
-          </a:p>
-        </p:txBody>
-      </p:sp>
-      <p:sp>
-        <p:nvSpPr>
-          <p:cNvPr id="4" name="Espace réservé de la date 3"/>
-          <p:cNvSpPr>
-            <a:spLocks noGrp="1"/>
-          </p:cNvSpPr>
-          <p:nvPr>
-            <p:ph type="dt" sz="half" idx="10"/>
-          </p:nvPr>
-        </p:nvSpPr>
-        <p:spPr/>
-        <p:txBody>
-          <a:bodyPr/>
-          <a:lstStyle/>
-          <a:p>
-            <a:endParaRPr lang="fr-FR"/>
-          </a:p>
-        </p:txBody>
-      </p:sp>
-      <p:sp>
-        <p:nvSpPr>
-          <p:cNvPr id="5" name="Espace réservé du pied de page 4"/>
-          <p:cNvSpPr>
-            <a:spLocks noGrp="1"/>
-          </p:cNvSpPr>
-          <p:nvPr>
-            <p:ph type="ftr" sz="quarter" idx="11"/>
-          </p:nvPr>
-        </p:nvSpPr>
-        <p:spPr/>
-        <p:txBody>
-          <a:bodyPr/>
-          <a:lstStyle/>
-          <a:p>
-            <a:endParaRPr lang="fr-FR"/>
-          </a:p>
-        </p:txBody>
-      </p:sp>
-      <p:sp>
-        <p:nvSpPr>
-          <p:cNvPr id="6" name="Espace réservé du numéro de diapositive 5"/>
-          <p:cNvSpPr>
-            <a:spLocks noGrp="1"/>
-          </p:cNvSpPr>
-          <p:nvPr>
-            <p:ph type="sldNum" sz="quarter" idx="12"/>
-          </p:nvPr>
-        </p:nvSpPr>
-        <p:spPr/>
-        <p:txBody>
-          <a:bodyPr/>
-          <a:lstStyle/>
-          <a:p>
-            <a:fld id="{DC062FA9-FE1E-4553-BF9F-5A99BD99EA25}" type="slidenum">
-              <a:rPr lang="fr-FR" smtClean="0"/>
-              <a:t>‹N°›</a:t>
-            </a:fld>
-            <a:endParaRPr lang="fr-FR"/>
-          </a:p>
-        </p:txBody>
-      </p:sp>
-    </p:spTree>
-    <p:extLst>
-      <p:ext uri="{BB962C8B-B14F-4D97-AF65-F5344CB8AC3E}">
-        <p14:creationId xmlns:p14="http://schemas.microsoft.com/office/powerpoint/2010/main" val="2643648686"/>
-      </p:ext>
-    </p:extLst>
-  </p:cSld>
-  <p:clrMapOvr>
-    <a:masterClrMapping/>
-  </p:clrMapOvr>
-</p:sldLayout>
-</file>
-
 <file path=ppt/slideLayouts/slideLayout2.xml><?xml version="1.0" encoding="utf-8"?>
 <p:sldLayout xmlns:a="http://schemas.openxmlformats.org/drawingml/2006/main" xmlns:r="http://schemas.openxmlformats.org/officeDocument/2006/relationships" xmlns:p="http://schemas.openxmlformats.org/presentationml/2006/main" preserve="1" userDrawn="1">
   <p:cSld name="Titre et contenu">
@@ -4700,6 +3039,100 @@
 
 <file path=ppt/slideLayouts/slideLayout3.xml><?xml version="1.0" encoding="utf-8"?>
 <p:sldLayout xmlns:a="http://schemas.openxmlformats.org/drawingml/2006/main" xmlns:r="http://schemas.openxmlformats.org/officeDocument/2006/relationships" xmlns:p="http://schemas.openxmlformats.org/presentationml/2006/main" preserve="1" userDrawn="1">
+  <p:cSld name="Blank">
+    <p:spTree>
+      <p:nvGrpSpPr>
+        <p:cNvPr id="1" name=""/>
+        <p:cNvGrpSpPr/>
+        <p:nvPr/>
+      </p:nvGrpSpPr>
+      <p:grpSpPr>
+        <a:xfrm>
+          <a:off x="0" y="0"/>
+          <a:ext cx="0" cy="0"/>
+          <a:chOff x="0" y="0"/>
+          <a:chExt cx="0" cy="0"/>
+        </a:xfrm>
+      </p:grpSpPr>
+      <p:sp>
+        <p:nvSpPr>
+          <p:cNvPr id="3" name="Rectangle 2"/>
+          <p:cNvSpPr/>
+          <p:nvPr userDrawn="1"/>
+        </p:nvSpPr>
+        <p:spPr>
+          <a:xfrm>
+            <a:off x="0" y="1"/>
+            <a:ext cx="12192000" cy="6858000"/>
+          </a:xfrm>
+          <a:prstGeom prst="rect">
+            <a:avLst/>
+          </a:prstGeom>
+          <a:gradFill>
+            <a:gsLst>
+              <a:gs pos="38000">
+                <a:schemeClr val="accent1">
+                  <a:lumMod val="5000"/>
+                  <a:lumOff val="95000"/>
+                </a:schemeClr>
+              </a:gs>
+              <a:gs pos="100000">
+                <a:srgbClr val="F4E9FD"/>
+              </a:gs>
+            </a:gsLst>
+            <a:lin ang="2700000" scaled="1"/>
+          </a:gradFill>
+          <a:ln>
+            <a:noFill/>
+          </a:ln>
+        </p:spPr>
+        <p:style>
+          <a:lnRef idx="2">
+            <a:schemeClr val="accent1">
+              <a:shade val="50000"/>
+            </a:schemeClr>
+          </a:lnRef>
+          <a:fillRef idx="1">
+            <a:schemeClr val="accent1"/>
+          </a:fillRef>
+          <a:effectRef idx="0">
+            <a:schemeClr val="accent1"/>
+          </a:effectRef>
+          <a:fontRef idx="minor">
+            <a:schemeClr val="lt1"/>
+          </a:fontRef>
+        </p:style>
+        <p:txBody>
+          <a:bodyPr rtlCol="0" anchor="ctr"/>
+          <a:lstStyle/>
+          <a:p>
+            <a:pPr algn="ctr"/>
+            <a:endParaRPr lang="fr-FR"/>
+          </a:p>
+        </p:txBody>
+      </p:sp>
+    </p:spTree>
+    <p:extLst>
+      <p:ext uri="{BB962C8B-B14F-4D97-AF65-F5344CB8AC3E}">
+        <p14:creationId xmlns:p14="http://schemas.microsoft.com/office/powerpoint/2010/main" val="304842700"/>
+      </p:ext>
+    </p:extLst>
+  </p:cSld>
+  <p:clrMapOvr>
+    <a:masterClrMapping/>
+  </p:clrMapOvr>
+  <p:timing>
+    <p:tnLst>
+      <p:par>
+        <p:cTn id="1" dur="indefinite" restart="never" nodeType="tmRoot"/>
+      </p:par>
+    </p:tnLst>
+  </p:timing>
+</p:sldLayout>
+</file>
+
+<file path=ppt/slideLayouts/slideLayout4.xml><?xml version="1.0" encoding="utf-8"?>
+<p:sldLayout xmlns:a="http://schemas.openxmlformats.org/drawingml/2006/main" xmlns:r="http://schemas.openxmlformats.org/officeDocument/2006/relationships" xmlns:p="http://schemas.openxmlformats.org/presentationml/2006/main" preserve="1" userDrawn="1">
   <p:cSld name="1_Titre et contenu">
     <p:spTree>
       <p:nvGrpSpPr>
@@ -5229,7 +3662,7 @@
 </p:sldLayout>
 </file>
 
-<file path=ppt/slideLayouts/slideLayout4.xml><?xml version="1.0" encoding="utf-8"?>
+<file path=ppt/slideLayouts/slideLayout5.xml><?xml version="1.0" encoding="utf-8"?>
 <p:sldLayout xmlns:a="http://schemas.openxmlformats.org/drawingml/2006/main" xmlns:r="http://schemas.openxmlformats.org/officeDocument/2006/relationships" xmlns:p="http://schemas.openxmlformats.org/presentationml/2006/main" preserve="1" userDrawn="1">
   <p:cSld name="3_Titre et contenu">
     <p:spTree>
@@ -5709,7 +4142,7 @@
 </p:sldLayout>
 </file>
 
-<file path=ppt/slideLayouts/slideLayout5.xml><?xml version="1.0" encoding="utf-8"?>
+<file path=ppt/slideLayouts/slideLayout6.xml><?xml version="1.0" encoding="utf-8"?>
 <p:sldLayout xmlns:a="http://schemas.openxmlformats.org/drawingml/2006/main" xmlns:r="http://schemas.openxmlformats.org/officeDocument/2006/relationships" xmlns:p="http://schemas.openxmlformats.org/presentationml/2006/main" preserve="1" userDrawn="1">
   <p:cSld name="2_Titre et contenu">
     <p:bg>
@@ -6248,7 +4681,7 @@
 </p:sldLayout>
 </file>
 
-<file path=ppt/slideLayouts/slideLayout6.xml><?xml version="1.0" encoding="utf-8"?>
+<file path=ppt/slideLayouts/slideLayout7.xml><?xml version="1.0" encoding="utf-8"?>
 <p:sldLayout xmlns:a="http://schemas.openxmlformats.org/drawingml/2006/main" xmlns:r="http://schemas.openxmlformats.org/officeDocument/2006/relationships" xmlns:p="http://schemas.openxmlformats.org/presentationml/2006/main" preserve="1" userDrawn="1">
   <p:cSld name="4_Titre et contenu">
     <p:spTree>
@@ -6823,602 +5256,6 @@
 </p:sldLayout>
 </file>
 
-<file path=ppt/slideLayouts/slideLayout7.xml><?xml version="1.0" encoding="utf-8"?>
-<p:sldLayout xmlns:a="http://schemas.openxmlformats.org/drawingml/2006/main" xmlns:r="http://schemas.openxmlformats.org/officeDocument/2006/relationships" xmlns:p="http://schemas.openxmlformats.org/presentationml/2006/main" type="title" preserve="1">
-  <p:cSld name="Diapositive de titre">
-    <p:spTree>
-      <p:nvGrpSpPr>
-        <p:cNvPr id="1" name=""/>
-        <p:cNvGrpSpPr/>
-        <p:nvPr/>
-      </p:nvGrpSpPr>
-      <p:grpSpPr>
-        <a:xfrm>
-          <a:off x="0" y="0"/>
-          <a:ext cx="0" cy="0"/>
-          <a:chOff x="0" y="0"/>
-          <a:chExt cx="0" cy="0"/>
-        </a:xfrm>
-      </p:grpSpPr>
-      <p:sp>
-        <p:nvSpPr>
-          <p:cNvPr id="2" name="Titre 1"/>
-          <p:cNvSpPr>
-            <a:spLocks noGrp="1"/>
-          </p:cNvSpPr>
-          <p:nvPr>
-            <p:ph type="ctrTitle"/>
-          </p:nvPr>
-        </p:nvSpPr>
-        <p:spPr>
-          <a:xfrm>
-            <a:off x="1524000" y="1122363"/>
-            <a:ext cx="9144000" cy="2387600"/>
-          </a:xfrm>
-        </p:spPr>
-        <p:txBody>
-          <a:bodyPr anchor="b"/>
-          <a:lstStyle>
-            <a:lvl1pPr algn="ctr">
-              <a:defRPr sz="6000"/>
-            </a:lvl1pPr>
-          </a:lstStyle>
-          <a:p>
-            <a:r>
-              <a:rPr lang="fr-FR" smtClean="0"/>
-              <a:t>Modifiez le style du titre</a:t>
-            </a:r>
-            <a:endParaRPr lang="fr-FR"/>
-          </a:p>
-        </p:txBody>
-      </p:sp>
-      <p:sp>
-        <p:nvSpPr>
-          <p:cNvPr id="3" name="Sous-titre 2"/>
-          <p:cNvSpPr>
-            <a:spLocks noGrp="1"/>
-          </p:cNvSpPr>
-          <p:nvPr>
-            <p:ph type="subTitle" idx="1"/>
-          </p:nvPr>
-        </p:nvSpPr>
-        <p:spPr>
-          <a:xfrm>
-            <a:off x="1524000" y="3602038"/>
-            <a:ext cx="9144000" cy="1655762"/>
-          </a:xfrm>
-        </p:spPr>
-        <p:txBody>
-          <a:bodyPr/>
-          <a:lstStyle>
-            <a:lvl1pPr marL="0" indent="0" algn="ctr">
-              <a:buNone/>
-              <a:defRPr sz="2400"/>
-            </a:lvl1pPr>
-            <a:lvl2pPr marL="457200" indent="0" algn="ctr">
-              <a:buNone/>
-              <a:defRPr sz="2000"/>
-            </a:lvl2pPr>
-            <a:lvl3pPr marL="914400" indent="0" algn="ctr">
-              <a:buNone/>
-              <a:defRPr sz="1800"/>
-            </a:lvl3pPr>
-            <a:lvl4pPr marL="1371600" indent="0" algn="ctr">
-              <a:buNone/>
-              <a:defRPr sz="1600"/>
-            </a:lvl4pPr>
-            <a:lvl5pPr marL="1828800" indent="0" algn="ctr">
-              <a:buNone/>
-              <a:defRPr sz="1600"/>
-            </a:lvl5pPr>
-            <a:lvl6pPr marL="2286000" indent="0" algn="ctr">
-              <a:buNone/>
-              <a:defRPr sz="1600"/>
-            </a:lvl6pPr>
-            <a:lvl7pPr marL="2743200" indent="0" algn="ctr">
-              <a:buNone/>
-              <a:defRPr sz="1600"/>
-            </a:lvl7pPr>
-            <a:lvl8pPr marL="3200400" indent="0" algn="ctr">
-              <a:buNone/>
-              <a:defRPr sz="1600"/>
-            </a:lvl8pPr>
-            <a:lvl9pPr marL="3657600" indent="0" algn="ctr">
-              <a:buNone/>
-              <a:defRPr sz="1600"/>
-            </a:lvl9pPr>
-          </a:lstStyle>
-          <a:p>
-            <a:r>
-              <a:rPr lang="fr-FR" smtClean="0"/>
-              <a:t>Modifiez le style des sous-titres du masque</a:t>
-            </a:r>
-            <a:endParaRPr lang="fr-FR"/>
-          </a:p>
-        </p:txBody>
-      </p:sp>
-      <p:sp>
-        <p:nvSpPr>
-          <p:cNvPr id="4" name="Espace réservé de la date 3"/>
-          <p:cNvSpPr>
-            <a:spLocks noGrp="1"/>
-          </p:cNvSpPr>
-          <p:nvPr>
-            <p:ph type="dt" sz="half" idx="10"/>
-          </p:nvPr>
-        </p:nvSpPr>
-        <p:spPr/>
-        <p:txBody>
-          <a:bodyPr/>
-          <a:lstStyle/>
-          <a:p>
-            <a:endParaRPr lang="fr-FR"/>
-          </a:p>
-        </p:txBody>
-      </p:sp>
-      <p:sp>
-        <p:nvSpPr>
-          <p:cNvPr id="5" name="Espace réservé du pied de page 4"/>
-          <p:cNvSpPr>
-            <a:spLocks noGrp="1"/>
-          </p:cNvSpPr>
-          <p:nvPr>
-            <p:ph type="ftr" sz="quarter" idx="11"/>
-          </p:nvPr>
-        </p:nvSpPr>
-        <p:spPr/>
-        <p:txBody>
-          <a:bodyPr/>
-          <a:lstStyle/>
-          <a:p>
-            <a:endParaRPr lang="fr-FR"/>
-          </a:p>
-        </p:txBody>
-      </p:sp>
-      <p:sp>
-        <p:nvSpPr>
-          <p:cNvPr id="6" name="Espace réservé du numéro de diapositive 5"/>
-          <p:cNvSpPr>
-            <a:spLocks noGrp="1"/>
-          </p:cNvSpPr>
-          <p:nvPr>
-            <p:ph type="sldNum" sz="quarter" idx="12"/>
-          </p:nvPr>
-        </p:nvSpPr>
-        <p:spPr/>
-        <p:txBody>
-          <a:bodyPr/>
-          <a:lstStyle/>
-          <a:p>
-            <a:fld id="{DC062FA9-FE1E-4553-BF9F-5A99BD99EA25}" type="slidenum">
-              <a:rPr lang="fr-FR" smtClean="0"/>
-              <a:t>‹N°›</a:t>
-            </a:fld>
-            <a:endParaRPr lang="fr-FR"/>
-          </a:p>
-        </p:txBody>
-      </p:sp>
-    </p:spTree>
-    <p:extLst>
-      <p:ext uri="{BB962C8B-B14F-4D97-AF65-F5344CB8AC3E}">
-        <p14:creationId xmlns:p14="http://schemas.microsoft.com/office/powerpoint/2010/main" val="2867304738"/>
-      </p:ext>
-    </p:extLst>
-  </p:cSld>
-  <p:clrMapOvr>
-    <a:masterClrMapping/>
-  </p:clrMapOvr>
-</p:sldLayout>
-</file>
-
-<file path=ppt/slideLayouts/slideLayout8.xml><?xml version="1.0" encoding="utf-8"?>
-<p:sldLayout xmlns:a="http://schemas.openxmlformats.org/drawingml/2006/main" xmlns:r="http://schemas.openxmlformats.org/officeDocument/2006/relationships" xmlns:p="http://schemas.openxmlformats.org/presentationml/2006/main" type="obj" preserve="1">
-  <p:cSld name="Titre et contenu">
-    <p:spTree>
-      <p:nvGrpSpPr>
-        <p:cNvPr id="1" name=""/>
-        <p:cNvGrpSpPr/>
-        <p:nvPr/>
-      </p:nvGrpSpPr>
-      <p:grpSpPr>
-        <a:xfrm>
-          <a:off x="0" y="0"/>
-          <a:ext cx="0" cy="0"/>
-          <a:chOff x="0" y="0"/>
-          <a:chExt cx="0" cy="0"/>
-        </a:xfrm>
-      </p:grpSpPr>
-      <p:sp>
-        <p:nvSpPr>
-          <p:cNvPr id="2" name="Titre 1"/>
-          <p:cNvSpPr>
-            <a:spLocks noGrp="1"/>
-          </p:cNvSpPr>
-          <p:nvPr>
-            <p:ph type="title"/>
-          </p:nvPr>
-        </p:nvSpPr>
-        <p:spPr/>
-        <p:txBody>
-          <a:bodyPr/>
-          <a:lstStyle/>
-          <a:p>
-            <a:r>
-              <a:rPr lang="fr-FR" smtClean="0"/>
-              <a:t>Modifiez le style du titre</a:t>
-            </a:r>
-            <a:endParaRPr lang="fr-FR"/>
-          </a:p>
-        </p:txBody>
-      </p:sp>
-      <p:sp>
-        <p:nvSpPr>
-          <p:cNvPr id="3" name="Espace réservé du contenu 2"/>
-          <p:cNvSpPr>
-            <a:spLocks noGrp="1"/>
-          </p:cNvSpPr>
-          <p:nvPr>
-            <p:ph idx="1"/>
-          </p:nvPr>
-        </p:nvSpPr>
-        <p:spPr/>
-        <p:txBody>
-          <a:bodyPr/>
-          <a:lstStyle/>
-          <a:p>
-            <a:pPr lvl="0"/>
-            <a:r>
-              <a:rPr lang="fr-FR" smtClean="0"/>
-              <a:t>Modifiez les styles du texte du masque</a:t>
-            </a:r>
-          </a:p>
-          <a:p>
-            <a:pPr lvl="1"/>
-            <a:r>
-              <a:rPr lang="fr-FR" smtClean="0"/>
-              <a:t>Deuxième niveau</a:t>
-            </a:r>
-          </a:p>
-          <a:p>
-            <a:pPr lvl="2"/>
-            <a:r>
-              <a:rPr lang="fr-FR" smtClean="0"/>
-              <a:t>Troisième niveau</a:t>
-            </a:r>
-          </a:p>
-          <a:p>
-            <a:pPr lvl="3"/>
-            <a:r>
-              <a:rPr lang="fr-FR" smtClean="0"/>
-              <a:t>Quatrième niveau</a:t>
-            </a:r>
-          </a:p>
-          <a:p>
-            <a:pPr lvl="4"/>
-            <a:r>
-              <a:rPr lang="fr-FR" smtClean="0"/>
-              <a:t>Cinquième niveau</a:t>
-            </a:r>
-            <a:endParaRPr lang="fr-FR"/>
-          </a:p>
-        </p:txBody>
-      </p:sp>
-      <p:sp>
-        <p:nvSpPr>
-          <p:cNvPr id="4" name="Espace réservé de la date 3"/>
-          <p:cNvSpPr>
-            <a:spLocks noGrp="1"/>
-          </p:cNvSpPr>
-          <p:nvPr>
-            <p:ph type="dt" sz="half" idx="10"/>
-          </p:nvPr>
-        </p:nvSpPr>
-        <p:spPr/>
-        <p:txBody>
-          <a:bodyPr/>
-          <a:lstStyle/>
-          <a:p>
-            <a:endParaRPr lang="fr-FR"/>
-          </a:p>
-        </p:txBody>
-      </p:sp>
-      <p:sp>
-        <p:nvSpPr>
-          <p:cNvPr id="5" name="Espace réservé du pied de page 4"/>
-          <p:cNvSpPr>
-            <a:spLocks noGrp="1"/>
-          </p:cNvSpPr>
-          <p:nvPr>
-            <p:ph type="ftr" sz="quarter" idx="11"/>
-          </p:nvPr>
-        </p:nvSpPr>
-        <p:spPr/>
-        <p:txBody>
-          <a:bodyPr/>
-          <a:lstStyle/>
-          <a:p>
-            <a:endParaRPr lang="fr-FR"/>
-          </a:p>
-        </p:txBody>
-      </p:sp>
-      <p:sp>
-        <p:nvSpPr>
-          <p:cNvPr id="6" name="Espace réservé du numéro de diapositive 5"/>
-          <p:cNvSpPr>
-            <a:spLocks noGrp="1"/>
-          </p:cNvSpPr>
-          <p:nvPr>
-            <p:ph type="sldNum" sz="quarter" idx="12"/>
-          </p:nvPr>
-        </p:nvSpPr>
-        <p:spPr/>
-        <p:txBody>
-          <a:bodyPr/>
-          <a:lstStyle/>
-          <a:p>
-            <a:fld id="{DC062FA9-FE1E-4553-BF9F-5A99BD99EA25}" type="slidenum">
-              <a:rPr lang="fr-FR" smtClean="0"/>
-              <a:t>‹N°›</a:t>
-            </a:fld>
-            <a:endParaRPr lang="fr-FR"/>
-          </a:p>
-        </p:txBody>
-      </p:sp>
-    </p:spTree>
-    <p:extLst>
-      <p:ext uri="{BB962C8B-B14F-4D97-AF65-F5344CB8AC3E}">
-        <p14:creationId xmlns:p14="http://schemas.microsoft.com/office/powerpoint/2010/main" val="2036790241"/>
-      </p:ext>
-    </p:extLst>
-  </p:cSld>
-  <p:clrMapOvr>
-    <a:masterClrMapping/>
-  </p:clrMapOvr>
-</p:sldLayout>
-</file>
-
-<file path=ppt/slideLayouts/slideLayout9.xml><?xml version="1.0" encoding="utf-8"?>
-<p:sldLayout xmlns:a="http://schemas.openxmlformats.org/drawingml/2006/main" xmlns:r="http://schemas.openxmlformats.org/officeDocument/2006/relationships" xmlns:p="http://schemas.openxmlformats.org/presentationml/2006/main" type="secHead" preserve="1">
-  <p:cSld name="Titre de section">
-    <p:spTree>
-      <p:nvGrpSpPr>
-        <p:cNvPr id="1" name=""/>
-        <p:cNvGrpSpPr/>
-        <p:nvPr/>
-      </p:nvGrpSpPr>
-      <p:grpSpPr>
-        <a:xfrm>
-          <a:off x="0" y="0"/>
-          <a:ext cx="0" cy="0"/>
-          <a:chOff x="0" y="0"/>
-          <a:chExt cx="0" cy="0"/>
-        </a:xfrm>
-      </p:grpSpPr>
-      <p:sp>
-        <p:nvSpPr>
-          <p:cNvPr id="2" name="Titre 1"/>
-          <p:cNvSpPr>
-            <a:spLocks noGrp="1"/>
-          </p:cNvSpPr>
-          <p:nvPr>
-            <p:ph type="title"/>
-          </p:nvPr>
-        </p:nvSpPr>
-        <p:spPr>
-          <a:xfrm>
-            <a:off x="831850" y="1709738"/>
-            <a:ext cx="10515600" cy="2852737"/>
-          </a:xfrm>
-        </p:spPr>
-        <p:txBody>
-          <a:bodyPr anchor="b"/>
-          <a:lstStyle>
-            <a:lvl1pPr>
-              <a:defRPr sz="6000"/>
-            </a:lvl1pPr>
-          </a:lstStyle>
-          <a:p>
-            <a:r>
-              <a:rPr lang="fr-FR" smtClean="0"/>
-              <a:t>Modifiez le style du titre</a:t>
-            </a:r>
-            <a:endParaRPr lang="fr-FR"/>
-          </a:p>
-        </p:txBody>
-      </p:sp>
-      <p:sp>
-        <p:nvSpPr>
-          <p:cNvPr id="3" name="Espace réservé du texte 2"/>
-          <p:cNvSpPr>
-            <a:spLocks noGrp="1"/>
-          </p:cNvSpPr>
-          <p:nvPr>
-            <p:ph type="body" idx="1"/>
-          </p:nvPr>
-        </p:nvSpPr>
-        <p:spPr>
-          <a:xfrm>
-            <a:off x="831850" y="4589463"/>
-            <a:ext cx="10515600" cy="1500187"/>
-          </a:xfrm>
-        </p:spPr>
-        <p:txBody>
-          <a:bodyPr/>
-          <a:lstStyle>
-            <a:lvl1pPr marL="0" indent="0">
-              <a:buNone/>
-              <a:defRPr sz="2400">
-                <a:solidFill>
-                  <a:schemeClr val="tx1">
-                    <a:tint val="75000"/>
-                  </a:schemeClr>
-                </a:solidFill>
-              </a:defRPr>
-            </a:lvl1pPr>
-            <a:lvl2pPr marL="457200" indent="0">
-              <a:buNone/>
-              <a:defRPr sz="2000">
-                <a:solidFill>
-                  <a:schemeClr val="tx1">
-                    <a:tint val="75000"/>
-                  </a:schemeClr>
-                </a:solidFill>
-              </a:defRPr>
-            </a:lvl2pPr>
-            <a:lvl3pPr marL="914400" indent="0">
-              <a:buNone/>
-              <a:defRPr sz="1800">
-                <a:solidFill>
-                  <a:schemeClr val="tx1">
-                    <a:tint val="75000"/>
-                  </a:schemeClr>
-                </a:solidFill>
-              </a:defRPr>
-            </a:lvl3pPr>
-            <a:lvl4pPr marL="1371600" indent="0">
-              <a:buNone/>
-              <a:defRPr sz="1600">
-                <a:solidFill>
-                  <a:schemeClr val="tx1">
-                    <a:tint val="75000"/>
-                  </a:schemeClr>
-                </a:solidFill>
-              </a:defRPr>
-            </a:lvl4pPr>
-            <a:lvl5pPr marL="1828800" indent="0">
-              <a:buNone/>
-              <a:defRPr sz="1600">
-                <a:solidFill>
-                  <a:schemeClr val="tx1">
-                    <a:tint val="75000"/>
-                  </a:schemeClr>
-                </a:solidFill>
-              </a:defRPr>
-            </a:lvl5pPr>
-            <a:lvl6pPr marL="2286000" indent="0">
-              <a:buNone/>
-              <a:defRPr sz="1600">
-                <a:solidFill>
-                  <a:schemeClr val="tx1">
-                    <a:tint val="75000"/>
-                  </a:schemeClr>
-                </a:solidFill>
-              </a:defRPr>
-            </a:lvl6pPr>
-            <a:lvl7pPr marL="2743200" indent="0">
-              <a:buNone/>
-              <a:defRPr sz="1600">
-                <a:solidFill>
-                  <a:schemeClr val="tx1">
-                    <a:tint val="75000"/>
-                  </a:schemeClr>
-                </a:solidFill>
-              </a:defRPr>
-            </a:lvl7pPr>
-            <a:lvl8pPr marL="3200400" indent="0">
-              <a:buNone/>
-              <a:defRPr sz="1600">
-                <a:solidFill>
-                  <a:schemeClr val="tx1">
-                    <a:tint val="75000"/>
-                  </a:schemeClr>
-                </a:solidFill>
-              </a:defRPr>
-            </a:lvl8pPr>
-            <a:lvl9pPr marL="3657600" indent="0">
-              <a:buNone/>
-              <a:defRPr sz="1600">
-                <a:solidFill>
-                  <a:schemeClr val="tx1">
-                    <a:tint val="75000"/>
-                  </a:schemeClr>
-                </a:solidFill>
-              </a:defRPr>
-            </a:lvl9pPr>
-          </a:lstStyle>
-          <a:p>
-            <a:pPr lvl="0"/>
-            <a:r>
-              <a:rPr lang="fr-FR" smtClean="0"/>
-              <a:t>Modifiez les styles du texte du masque</a:t>
-            </a:r>
-          </a:p>
-        </p:txBody>
-      </p:sp>
-      <p:sp>
-        <p:nvSpPr>
-          <p:cNvPr id="4" name="Espace réservé de la date 3"/>
-          <p:cNvSpPr>
-            <a:spLocks noGrp="1"/>
-          </p:cNvSpPr>
-          <p:nvPr>
-            <p:ph type="dt" sz="half" idx="10"/>
-          </p:nvPr>
-        </p:nvSpPr>
-        <p:spPr/>
-        <p:txBody>
-          <a:bodyPr/>
-          <a:lstStyle/>
-          <a:p>
-            <a:endParaRPr lang="fr-FR"/>
-          </a:p>
-        </p:txBody>
-      </p:sp>
-      <p:sp>
-        <p:nvSpPr>
-          <p:cNvPr id="5" name="Espace réservé du pied de page 4"/>
-          <p:cNvSpPr>
-            <a:spLocks noGrp="1"/>
-          </p:cNvSpPr>
-          <p:nvPr>
-            <p:ph type="ftr" sz="quarter" idx="11"/>
-          </p:nvPr>
-        </p:nvSpPr>
-        <p:spPr/>
-        <p:txBody>
-          <a:bodyPr/>
-          <a:lstStyle/>
-          <a:p>
-            <a:endParaRPr lang="fr-FR"/>
-          </a:p>
-        </p:txBody>
-      </p:sp>
-      <p:sp>
-        <p:nvSpPr>
-          <p:cNvPr id="6" name="Espace réservé du numéro de diapositive 5"/>
-          <p:cNvSpPr>
-            <a:spLocks noGrp="1"/>
-          </p:cNvSpPr>
-          <p:nvPr>
-            <p:ph type="sldNum" sz="quarter" idx="12"/>
-          </p:nvPr>
-        </p:nvSpPr>
-        <p:spPr/>
-        <p:txBody>
-          <a:bodyPr/>
-          <a:lstStyle/>
-          <a:p>
-            <a:fld id="{DC062FA9-FE1E-4553-BF9F-5A99BD99EA25}" type="slidenum">
-              <a:rPr lang="fr-FR" smtClean="0"/>
-              <a:t>‹N°›</a:t>
-            </a:fld>
-            <a:endParaRPr lang="fr-FR"/>
-          </a:p>
-        </p:txBody>
-      </p:sp>
-    </p:spTree>
-    <p:extLst>
-      <p:ext uri="{BB962C8B-B14F-4D97-AF65-F5344CB8AC3E}">
-        <p14:creationId xmlns:p14="http://schemas.microsoft.com/office/powerpoint/2010/main" val="2121154309"/>
-      </p:ext>
-    </p:extLst>
-  </p:cSld>
-  <p:clrMapOvr>
-    <a:masterClrMapping/>
-  </p:clrMapOvr>
-</p:sldLayout>
-</file>
-
 <file path=ppt/slideMasters/slideMaster1.xml><?xml version="1.0" encoding="utf-8"?>
 <p:sldMaster xmlns:a="http://schemas.openxmlformats.org/drawingml/2006/main" xmlns:r="http://schemas.openxmlformats.org/officeDocument/2006/relationships" xmlns:p="http://schemas.openxmlformats.org/presentationml/2006/main">
   <p:cSld>
@@ -7496,10 +5333,11 @@
   <p:sldLayoutIdLst>
     <p:sldLayoutId id="2147483649" r:id="rId1"/>
     <p:sldLayoutId id="2147483650" r:id="rId2"/>
-    <p:sldLayoutId id="2147483651" r:id="rId3"/>
-    <p:sldLayoutId id="2147483653" r:id="rId4"/>
-    <p:sldLayoutId id="2147483652" r:id="rId5"/>
-    <p:sldLayoutId id="2147483654" r:id="rId6"/>
+    <p:sldLayoutId id="2147483655" r:id="rId3"/>
+    <p:sldLayoutId id="2147483651" r:id="rId4"/>
+    <p:sldLayoutId id="2147483653" r:id="rId5"/>
+    <p:sldLayoutId id="2147483652" r:id="rId6"/>
+    <p:sldLayoutId id="2147483654" r:id="rId7"/>
   </p:sldLayoutIdLst>
   <p:timing>
     <p:tnLst>
@@ -7526,550 +5364,6 @@
           <a:latin typeface="Aharoni" panose="02010803020104030203" pitchFamily="2" charset="-79"/>
           <a:ea typeface="+mj-ea"/>
           <a:cs typeface="Aharoni" panose="02010803020104030203" pitchFamily="2" charset="-79"/>
-        </a:defRPr>
-      </a:lvl1pPr>
-    </p:titleStyle>
-    <p:bodyStyle>
-      <a:lvl1pPr marL="228600" indent="-228600" algn="l" defTabSz="914400" rtl="0" eaLnBrk="1" latinLnBrk="0" hangingPunct="1">
-        <a:lnSpc>
-          <a:spcPct val="90000"/>
-        </a:lnSpc>
-        <a:spcBef>
-          <a:spcPts val="1000"/>
-        </a:spcBef>
-        <a:buFont typeface="Arial" panose="020B0604020202020204" pitchFamily="34" charset="0"/>
-        <a:buChar char="•"/>
-        <a:defRPr sz="2800" kern="1200">
-          <a:solidFill>
-            <a:schemeClr val="tx1"/>
-          </a:solidFill>
-          <a:latin typeface="+mn-lt"/>
-          <a:ea typeface="+mn-ea"/>
-          <a:cs typeface="+mn-cs"/>
-        </a:defRPr>
-      </a:lvl1pPr>
-      <a:lvl2pPr marL="685800" indent="-228600" algn="l" defTabSz="914400" rtl="0" eaLnBrk="1" latinLnBrk="0" hangingPunct="1">
-        <a:lnSpc>
-          <a:spcPct val="90000"/>
-        </a:lnSpc>
-        <a:spcBef>
-          <a:spcPts val="500"/>
-        </a:spcBef>
-        <a:buFont typeface="Arial" panose="020B0604020202020204" pitchFamily="34" charset="0"/>
-        <a:buChar char="•"/>
-        <a:defRPr sz="2400" kern="1200">
-          <a:solidFill>
-            <a:schemeClr val="tx1"/>
-          </a:solidFill>
-          <a:latin typeface="+mn-lt"/>
-          <a:ea typeface="+mn-ea"/>
-          <a:cs typeface="+mn-cs"/>
-        </a:defRPr>
-      </a:lvl2pPr>
-      <a:lvl3pPr marL="1143000" indent="-228600" algn="l" defTabSz="914400" rtl="0" eaLnBrk="1" latinLnBrk="0" hangingPunct="1">
-        <a:lnSpc>
-          <a:spcPct val="90000"/>
-        </a:lnSpc>
-        <a:spcBef>
-          <a:spcPts val="500"/>
-        </a:spcBef>
-        <a:buFont typeface="Arial" panose="020B0604020202020204" pitchFamily="34" charset="0"/>
-        <a:buChar char="•"/>
-        <a:defRPr sz="2000" kern="1200">
-          <a:solidFill>
-            <a:schemeClr val="tx1"/>
-          </a:solidFill>
-          <a:latin typeface="+mn-lt"/>
-          <a:ea typeface="+mn-ea"/>
-          <a:cs typeface="+mn-cs"/>
-        </a:defRPr>
-      </a:lvl3pPr>
-      <a:lvl4pPr marL="1600200" indent="-228600" algn="l" defTabSz="914400" rtl="0" eaLnBrk="1" latinLnBrk="0" hangingPunct="1">
-        <a:lnSpc>
-          <a:spcPct val="90000"/>
-        </a:lnSpc>
-        <a:spcBef>
-          <a:spcPts val="500"/>
-        </a:spcBef>
-        <a:buFont typeface="Arial" panose="020B0604020202020204" pitchFamily="34" charset="0"/>
-        <a:buChar char="•"/>
-        <a:defRPr sz="1800" kern="1200">
-          <a:solidFill>
-            <a:schemeClr val="tx1"/>
-          </a:solidFill>
-          <a:latin typeface="+mn-lt"/>
-          <a:ea typeface="+mn-ea"/>
-          <a:cs typeface="+mn-cs"/>
-        </a:defRPr>
-      </a:lvl4pPr>
-      <a:lvl5pPr marL="2057400" indent="-228600" algn="l" defTabSz="914400" rtl="0" eaLnBrk="1" latinLnBrk="0" hangingPunct="1">
-        <a:lnSpc>
-          <a:spcPct val="90000"/>
-        </a:lnSpc>
-        <a:spcBef>
-          <a:spcPts val="500"/>
-        </a:spcBef>
-        <a:buFont typeface="Arial" panose="020B0604020202020204" pitchFamily="34" charset="0"/>
-        <a:buChar char="•"/>
-        <a:defRPr sz="1800" kern="1200">
-          <a:solidFill>
-            <a:schemeClr val="tx1"/>
-          </a:solidFill>
-          <a:latin typeface="+mn-lt"/>
-          <a:ea typeface="+mn-ea"/>
-          <a:cs typeface="+mn-cs"/>
-        </a:defRPr>
-      </a:lvl5pPr>
-      <a:lvl6pPr marL="2514600" indent="-228600" algn="l" defTabSz="914400" rtl="0" eaLnBrk="1" latinLnBrk="0" hangingPunct="1">
-        <a:lnSpc>
-          <a:spcPct val="90000"/>
-        </a:lnSpc>
-        <a:spcBef>
-          <a:spcPts val="500"/>
-        </a:spcBef>
-        <a:buFont typeface="Arial" panose="020B0604020202020204" pitchFamily="34" charset="0"/>
-        <a:buChar char="•"/>
-        <a:defRPr sz="1800" kern="1200">
-          <a:solidFill>
-            <a:schemeClr val="tx1"/>
-          </a:solidFill>
-          <a:latin typeface="+mn-lt"/>
-          <a:ea typeface="+mn-ea"/>
-          <a:cs typeface="+mn-cs"/>
-        </a:defRPr>
-      </a:lvl6pPr>
-      <a:lvl7pPr marL="2971800" indent="-228600" algn="l" defTabSz="914400" rtl="0" eaLnBrk="1" latinLnBrk="0" hangingPunct="1">
-        <a:lnSpc>
-          <a:spcPct val="90000"/>
-        </a:lnSpc>
-        <a:spcBef>
-          <a:spcPts val="500"/>
-        </a:spcBef>
-        <a:buFont typeface="Arial" panose="020B0604020202020204" pitchFamily="34" charset="0"/>
-        <a:buChar char="•"/>
-        <a:defRPr sz="1800" kern="1200">
-          <a:solidFill>
-            <a:schemeClr val="tx1"/>
-          </a:solidFill>
-          <a:latin typeface="+mn-lt"/>
-          <a:ea typeface="+mn-ea"/>
-          <a:cs typeface="+mn-cs"/>
-        </a:defRPr>
-      </a:lvl7pPr>
-      <a:lvl8pPr marL="3429000" indent="-228600" algn="l" defTabSz="914400" rtl="0" eaLnBrk="1" latinLnBrk="0" hangingPunct="1">
-        <a:lnSpc>
-          <a:spcPct val="90000"/>
-        </a:lnSpc>
-        <a:spcBef>
-          <a:spcPts val="500"/>
-        </a:spcBef>
-        <a:buFont typeface="Arial" panose="020B0604020202020204" pitchFamily="34" charset="0"/>
-        <a:buChar char="•"/>
-        <a:defRPr sz="1800" kern="1200">
-          <a:solidFill>
-            <a:schemeClr val="tx1"/>
-          </a:solidFill>
-          <a:latin typeface="+mn-lt"/>
-          <a:ea typeface="+mn-ea"/>
-          <a:cs typeface="+mn-cs"/>
-        </a:defRPr>
-      </a:lvl8pPr>
-      <a:lvl9pPr marL="3886200" indent="-228600" algn="l" defTabSz="914400" rtl="0" eaLnBrk="1" latinLnBrk="0" hangingPunct="1">
-        <a:lnSpc>
-          <a:spcPct val="90000"/>
-        </a:lnSpc>
-        <a:spcBef>
-          <a:spcPts val="500"/>
-        </a:spcBef>
-        <a:buFont typeface="Arial" panose="020B0604020202020204" pitchFamily="34" charset="0"/>
-        <a:buChar char="•"/>
-        <a:defRPr sz="1800" kern="1200">
-          <a:solidFill>
-            <a:schemeClr val="tx1"/>
-          </a:solidFill>
-          <a:latin typeface="+mn-lt"/>
-          <a:ea typeface="+mn-ea"/>
-          <a:cs typeface="+mn-cs"/>
-        </a:defRPr>
-      </a:lvl9pPr>
-    </p:bodyStyle>
-    <p:otherStyle>
-      <a:defPPr>
-        <a:defRPr lang="fr-FR"/>
-      </a:defPPr>
-      <a:lvl1pPr marL="0" algn="l" defTabSz="914400" rtl="0" eaLnBrk="1" latinLnBrk="0" hangingPunct="1">
-        <a:defRPr sz="1800" kern="1200">
-          <a:solidFill>
-            <a:schemeClr val="tx1"/>
-          </a:solidFill>
-          <a:latin typeface="+mn-lt"/>
-          <a:ea typeface="+mn-ea"/>
-          <a:cs typeface="+mn-cs"/>
-        </a:defRPr>
-      </a:lvl1pPr>
-      <a:lvl2pPr marL="457200" algn="l" defTabSz="914400" rtl="0" eaLnBrk="1" latinLnBrk="0" hangingPunct="1">
-        <a:defRPr sz="1800" kern="1200">
-          <a:solidFill>
-            <a:schemeClr val="tx1"/>
-          </a:solidFill>
-          <a:latin typeface="+mn-lt"/>
-          <a:ea typeface="+mn-ea"/>
-          <a:cs typeface="+mn-cs"/>
-        </a:defRPr>
-      </a:lvl2pPr>
-      <a:lvl3pPr marL="914400" algn="l" defTabSz="914400" rtl="0" eaLnBrk="1" latinLnBrk="0" hangingPunct="1">
-        <a:defRPr sz="1800" kern="1200">
-          <a:solidFill>
-            <a:schemeClr val="tx1"/>
-          </a:solidFill>
-          <a:latin typeface="+mn-lt"/>
-          <a:ea typeface="+mn-ea"/>
-          <a:cs typeface="+mn-cs"/>
-        </a:defRPr>
-      </a:lvl3pPr>
-      <a:lvl4pPr marL="1371600" algn="l" defTabSz="914400" rtl="0" eaLnBrk="1" latinLnBrk="0" hangingPunct="1">
-        <a:defRPr sz="1800" kern="1200">
-          <a:solidFill>
-            <a:schemeClr val="tx1"/>
-          </a:solidFill>
-          <a:latin typeface="+mn-lt"/>
-          <a:ea typeface="+mn-ea"/>
-          <a:cs typeface="+mn-cs"/>
-        </a:defRPr>
-      </a:lvl4pPr>
-      <a:lvl5pPr marL="1828800" algn="l" defTabSz="914400" rtl="0" eaLnBrk="1" latinLnBrk="0" hangingPunct="1">
-        <a:defRPr sz="1800" kern="1200">
-          <a:solidFill>
-            <a:schemeClr val="tx1"/>
-          </a:solidFill>
-          <a:latin typeface="+mn-lt"/>
-          <a:ea typeface="+mn-ea"/>
-          <a:cs typeface="+mn-cs"/>
-        </a:defRPr>
-      </a:lvl5pPr>
-      <a:lvl6pPr marL="2286000" algn="l" defTabSz="914400" rtl="0" eaLnBrk="1" latinLnBrk="0" hangingPunct="1">
-        <a:defRPr sz="1800" kern="1200">
-          <a:solidFill>
-            <a:schemeClr val="tx1"/>
-          </a:solidFill>
-          <a:latin typeface="+mn-lt"/>
-          <a:ea typeface="+mn-ea"/>
-          <a:cs typeface="+mn-cs"/>
-        </a:defRPr>
-      </a:lvl6pPr>
-      <a:lvl7pPr marL="2743200" algn="l" defTabSz="914400" rtl="0" eaLnBrk="1" latinLnBrk="0" hangingPunct="1">
-        <a:defRPr sz="1800" kern="1200">
-          <a:solidFill>
-            <a:schemeClr val="tx1"/>
-          </a:solidFill>
-          <a:latin typeface="+mn-lt"/>
-          <a:ea typeface="+mn-ea"/>
-          <a:cs typeface="+mn-cs"/>
-        </a:defRPr>
-      </a:lvl7pPr>
-      <a:lvl8pPr marL="3200400" algn="l" defTabSz="914400" rtl="0" eaLnBrk="1" latinLnBrk="0" hangingPunct="1">
-        <a:defRPr sz="1800" kern="1200">
-          <a:solidFill>
-            <a:schemeClr val="tx1"/>
-          </a:solidFill>
-          <a:latin typeface="+mn-lt"/>
-          <a:ea typeface="+mn-ea"/>
-          <a:cs typeface="+mn-cs"/>
-        </a:defRPr>
-      </a:lvl8pPr>
-      <a:lvl9pPr marL="3657600" algn="l" defTabSz="914400" rtl="0" eaLnBrk="1" latinLnBrk="0" hangingPunct="1">
-        <a:defRPr sz="1800" kern="1200">
-          <a:solidFill>
-            <a:schemeClr val="tx1"/>
-          </a:solidFill>
-          <a:latin typeface="+mn-lt"/>
-          <a:ea typeface="+mn-ea"/>
-          <a:cs typeface="+mn-cs"/>
-        </a:defRPr>
-      </a:lvl9pPr>
-    </p:otherStyle>
-  </p:txStyles>
-</p:sldMaster>
-</file>
-
-<file path=ppt/slideMasters/slideMaster2.xml><?xml version="1.0" encoding="utf-8"?>
-<p:sldMaster xmlns:a="http://schemas.openxmlformats.org/drawingml/2006/main" xmlns:r="http://schemas.openxmlformats.org/officeDocument/2006/relationships" xmlns:p="http://schemas.openxmlformats.org/presentationml/2006/main" preserve="1">
-  <p:cSld>
-    <p:bg>
-      <p:bgRef idx="1001">
-        <a:schemeClr val="bg1"/>
-      </p:bgRef>
-    </p:bg>
-    <p:spTree>
-      <p:nvGrpSpPr>
-        <p:cNvPr id="1" name=""/>
-        <p:cNvGrpSpPr/>
-        <p:nvPr/>
-      </p:nvGrpSpPr>
-      <p:grpSpPr>
-        <a:xfrm>
-          <a:off x="0" y="0"/>
-          <a:ext cx="0" cy="0"/>
-          <a:chOff x="0" y="0"/>
-          <a:chExt cx="0" cy="0"/>
-        </a:xfrm>
-      </p:grpSpPr>
-      <p:sp>
-        <p:nvSpPr>
-          <p:cNvPr id="2" name="Espace réservé du titre 1"/>
-          <p:cNvSpPr>
-            <a:spLocks noGrp="1"/>
-          </p:cNvSpPr>
-          <p:nvPr>
-            <p:ph type="title"/>
-          </p:nvPr>
-        </p:nvSpPr>
-        <p:spPr>
-          <a:xfrm>
-            <a:off x="838200" y="365125"/>
-            <a:ext cx="10515600" cy="1325563"/>
-          </a:xfrm>
-          <a:prstGeom prst="rect">
-            <a:avLst/>
-          </a:prstGeom>
-        </p:spPr>
-        <p:txBody>
-          <a:bodyPr vert="horz" lIns="91440" tIns="45720" rIns="91440" bIns="45720" rtlCol="0" anchor="ctr">
-            <a:normAutofit/>
-          </a:bodyPr>
-          <a:lstStyle/>
-          <a:p>
-            <a:r>
-              <a:rPr lang="fr-FR" smtClean="0"/>
-              <a:t>Modifiez le style du titre</a:t>
-            </a:r>
-            <a:endParaRPr lang="fr-FR"/>
-          </a:p>
-        </p:txBody>
-      </p:sp>
-      <p:sp>
-        <p:nvSpPr>
-          <p:cNvPr id="3" name="Espace réservé du texte 2"/>
-          <p:cNvSpPr>
-            <a:spLocks noGrp="1"/>
-          </p:cNvSpPr>
-          <p:nvPr>
-            <p:ph type="body" idx="1"/>
-          </p:nvPr>
-        </p:nvSpPr>
-        <p:spPr>
-          <a:xfrm>
-            <a:off x="838200" y="1825625"/>
-            <a:ext cx="10515600" cy="4351338"/>
-          </a:xfrm>
-          <a:prstGeom prst="rect">
-            <a:avLst/>
-          </a:prstGeom>
-        </p:spPr>
-        <p:txBody>
-          <a:bodyPr vert="horz" lIns="91440" tIns="45720" rIns="91440" bIns="45720" rtlCol="0">
-            <a:normAutofit/>
-          </a:bodyPr>
-          <a:lstStyle/>
-          <a:p>
-            <a:pPr lvl="0"/>
-            <a:r>
-              <a:rPr lang="fr-FR" smtClean="0"/>
-              <a:t>Modifiez les styles du texte du masque</a:t>
-            </a:r>
-          </a:p>
-          <a:p>
-            <a:pPr lvl="1"/>
-            <a:r>
-              <a:rPr lang="fr-FR" smtClean="0"/>
-              <a:t>Deuxième niveau</a:t>
-            </a:r>
-          </a:p>
-          <a:p>
-            <a:pPr lvl="2"/>
-            <a:r>
-              <a:rPr lang="fr-FR" smtClean="0"/>
-              <a:t>Troisième niveau</a:t>
-            </a:r>
-          </a:p>
-          <a:p>
-            <a:pPr lvl="3"/>
-            <a:r>
-              <a:rPr lang="fr-FR" smtClean="0"/>
-              <a:t>Quatrième niveau</a:t>
-            </a:r>
-          </a:p>
-          <a:p>
-            <a:pPr lvl="4"/>
-            <a:r>
-              <a:rPr lang="fr-FR" smtClean="0"/>
-              <a:t>Cinquième niveau</a:t>
-            </a:r>
-            <a:endParaRPr lang="fr-FR"/>
-          </a:p>
-        </p:txBody>
-      </p:sp>
-      <p:sp>
-        <p:nvSpPr>
-          <p:cNvPr id="4" name="Espace réservé de la date 3"/>
-          <p:cNvSpPr>
-            <a:spLocks noGrp="1"/>
-          </p:cNvSpPr>
-          <p:nvPr>
-            <p:ph type="dt" sz="half" idx="2"/>
-          </p:nvPr>
-        </p:nvSpPr>
-        <p:spPr>
-          <a:xfrm>
-            <a:off x="838200" y="6356350"/>
-            <a:ext cx="2743200" cy="365125"/>
-          </a:xfrm>
-          <a:prstGeom prst="rect">
-            <a:avLst/>
-          </a:prstGeom>
-        </p:spPr>
-        <p:txBody>
-          <a:bodyPr vert="horz" lIns="91440" tIns="45720" rIns="91440" bIns="45720" rtlCol="0" anchor="ctr"/>
-          <a:lstStyle>
-            <a:lvl1pPr algn="l">
-              <a:defRPr sz="1200">
-                <a:solidFill>
-                  <a:schemeClr val="tx1">
-                    <a:tint val="75000"/>
-                  </a:schemeClr>
-                </a:solidFill>
-              </a:defRPr>
-            </a:lvl1pPr>
-          </a:lstStyle>
-          <a:p>
-            <a:endParaRPr lang="fr-FR"/>
-          </a:p>
-        </p:txBody>
-      </p:sp>
-      <p:sp>
-        <p:nvSpPr>
-          <p:cNvPr id="5" name="Espace réservé du pied de page 4"/>
-          <p:cNvSpPr>
-            <a:spLocks noGrp="1"/>
-          </p:cNvSpPr>
-          <p:nvPr>
-            <p:ph type="ftr" sz="quarter" idx="3"/>
-          </p:nvPr>
-        </p:nvSpPr>
-        <p:spPr>
-          <a:xfrm>
-            <a:off x="4038600" y="6356350"/>
-            <a:ext cx="4114800" cy="365125"/>
-          </a:xfrm>
-          <a:prstGeom prst="rect">
-            <a:avLst/>
-          </a:prstGeom>
-        </p:spPr>
-        <p:txBody>
-          <a:bodyPr vert="horz" lIns="91440" tIns="45720" rIns="91440" bIns="45720" rtlCol="0" anchor="ctr"/>
-          <a:lstStyle>
-            <a:lvl1pPr algn="ctr">
-              <a:defRPr sz="1200">
-                <a:solidFill>
-                  <a:schemeClr val="tx1">
-                    <a:tint val="75000"/>
-                  </a:schemeClr>
-                </a:solidFill>
-              </a:defRPr>
-            </a:lvl1pPr>
-          </a:lstStyle>
-          <a:p>
-            <a:endParaRPr lang="fr-FR"/>
-          </a:p>
-        </p:txBody>
-      </p:sp>
-      <p:sp>
-        <p:nvSpPr>
-          <p:cNvPr id="6" name="Espace réservé du numéro de diapositive 5"/>
-          <p:cNvSpPr>
-            <a:spLocks noGrp="1"/>
-          </p:cNvSpPr>
-          <p:nvPr>
-            <p:ph type="sldNum" sz="quarter" idx="4"/>
-          </p:nvPr>
-        </p:nvSpPr>
-        <p:spPr>
-          <a:xfrm>
-            <a:off x="8610600" y="6356350"/>
-            <a:ext cx="2743200" cy="365125"/>
-          </a:xfrm>
-          <a:prstGeom prst="rect">
-            <a:avLst/>
-          </a:prstGeom>
-        </p:spPr>
-        <p:txBody>
-          <a:bodyPr vert="horz" lIns="91440" tIns="45720" rIns="91440" bIns="45720" rtlCol="0" anchor="ctr"/>
-          <a:lstStyle>
-            <a:lvl1pPr algn="r">
-              <a:defRPr sz="1200">
-                <a:solidFill>
-                  <a:schemeClr val="tx1">
-                    <a:tint val="75000"/>
-                  </a:schemeClr>
-                </a:solidFill>
-              </a:defRPr>
-            </a:lvl1pPr>
-          </a:lstStyle>
-          <a:p>
-            <a:fld id="{DC062FA9-FE1E-4553-BF9F-5A99BD99EA25}" type="slidenum">
-              <a:rPr lang="fr-FR" smtClean="0"/>
-              <a:t>‹N°›</a:t>
-            </a:fld>
-            <a:endParaRPr lang="fr-FR"/>
-          </a:p>
-        </p:txBody>
-      </p:sp>
-    </p:spTree>
-    <p:extLst>
-      <p:ext uri="{BB962C8B-B14F-4D97-AF65-F5344CB8AC3E}">
-        <p14:creationId xmlns:p14="http://schemas.microsoft.com/office/powerpoint/2010/main" val="2551883774"/>
-      </p:ext>
-    </p:extLst>
-  </p:cSld>
-  <p:clrMap bg1="lt1" tx1="dk1" bg2="lt2" tx2="dk2" accent1="accent1" accent2="accent2" accent3="accent3" accent4="accent4" accent5="accent5" accent6="accent6" hlink="hlink" folHlink="folHlink"/>
-  <p:sldLayoutIdLst>
-    <p:sldLayoutId id="2147483657" r:id="rId1"/>
-    <p:sldLayoutId id="2147483658" r:id="rId2"/>
-    <p:sldLayoutId id="2147483659" r:id="rId3"/>
-    <p:sldLayoutId id="2147483660" r:id="rId4"/>
-    <p:sldLayoutId id="2147483661" r:id="rId5"/>
-    <p:sldLayoutId id="2147483662" r:id="rId6"/>
-    <p:sldLayoutId id="2147483663" r:id="rId7"/>
-    <p:sldLayoutId id="2147483664" r:id="rId8"/>
-    <p:sldLayoutId id="2147483665" r:id="rId9"/>
-    <p:sldLayoutId id="2147483666" r:id="rId10"/>
-    <p:sldLayoutId id="2147483667" r:id="rId11"/>
-  </p:sldLayoutIdLst>
-  <p:timing>
-    <p:tnLst>
-      <p:par>
-        <p:cTn id="1" dur="indefinite" restart="never" nodeType="tmRoot"/>
-      </p:par>
-    </p:tnLst>
-  </p:timing>
-  <p:hf hdr="0" ftr="0" dt="0"/>
-  <p:txStyles>
-    <p:titleStyle>
-      <a:lvl1pPr algn="l" defTabSz="914400" rtl="0" eaLnBrk="1" latinLnBrk="0" hangingPunct="1">
-        <a:lnSpc>
-          <a:spcPct val="90000"/>
-        </a:lnSpc>
-        <a:spcBef>
-          <a:spcPct val="0"/>
-        </a:spcBef>
-        <a:buNone/>
-        <a:defRPr sz="4400" kern="1200">
-          <a:solidFill>
-            <a:schemeClr val="tx1"/>
-          </a:solidFill>
-          <a:latin typeface="+mj-lt"/>
-          <a:ea typeface="+mj-ea"/>
-          <a:cs typeface="+mj-cs"/>
         </a:defRPr>
       </a:lvl1pPr>
     </p:titleStyle>
@@ -8606,23 +5900,6 @@
               </a:rPr>
               <a:t>du</a:t>
             </a:r>
-            <a:endParaRPr lang="fr-FR" sz="5000" b="1" dirty="0" smtClean="0">
-              <a:solidFill>
-                <a:schemeClr val="tx1">
-                  <a:lumMod val="75000"/>
-                  <a:lumOff val="25000"/>
-                </a:schemeClr>
-              </a:solidFill>
-              <a:effectLst>
-                <a:outerShdw blurRad="38100" dist="38100" dir="2700000" algn="tl">
-                  <a:srgbClr val="000000">
-                    <a:alpha val="43137"/>
-                  </a:srgbClr>
-                </a:outerShdw>
-              </a:effectLst>
-              <a:latin typeface="Microsoft PhagsPa" panose="020B0502040204020203" pitchFamily="34" charset="0"/>
-              <a:ea typeface="Kozuka Gothic Pro L" panose="020B0200000000000000" pitchFamily="34" charset="-128"/>
-            </a:endParaRPr>
           </a:p>
         </p:txBody>
       </p:sp>
@@ -16076,7 +13353,7 @@
         </p:nvSpPr>
         <p:spPr>
           <a:xfrm>
-            <a:off x="5928369" y="2143308"/>
+            <a:off x="5371157" y="745635"/>
             <a:ext cx="328613" cy="2228848"/>
           </a:xfrm>
           <a:prstGeom prst="downArrow">
@@ -16123,92 +13400,6 @@
           </a:p>
         </p:txBody>
       </p:sp>
-      <p:sp>
-        <p:nvSpPr>
-          <p:cNvPr id="3" name="Titre 2"/>
-          <p:cNvSpPr>
-            <a:spLocks noGrp="1"/>
-          </p:cNvSpPr>
-          <p:nvPr>
-            <p:ph type="title"/>
-          </p:nvPr>
-        </p:nvSpPr>
-        <p:spPr/>
-        <p:txBody>
-          <a:bodyPr/>
-          <a:lstStyle/>
-          <a:p>
-            <a:r>
-              <a:rPr lang="fr-FR" dirty="0" smtClean="0"/>
-              <a:t>Le </a:t>
-            </a:r>
-            <a:r>
-              <a:rPr lang="fr-FR" dirty="0" err="1" smtClean="0"/>
-              <a:t>Pretty</a:t>
-            </a:r>
-            <a:r>
-              <a:rPr lang="fr-FR" dirty="0" smtClean="0"/>
-              <a:t> printer</a:t>
-            </a:r>
-            <a:endParaRPr lang="fr-FR" dirty="0"/>
-          </a:p>
-        </p:txBody>
-      </p:sp>
-      <p:sp>
-        <p:nvSpPr>
-          <p:cNvPr id="10" name="ZoneTexte 9"/>
-          <p:cNvSpPr txBox="1"/>
-          <p:nvPr/>
-        </p:nvSpPr>
-        <p:spPr>
-          <a:xfrm>
-            <a:off x="614363" y="2057403"/>
-            <a:ext cx="1943100" cy="2031325"/>
-          </a:xfrm>
-          <a:prstGeom prst="rect">
-            <a:avLst/>
-          </a:prstGeom>
-          <a:solidFill>
-            <a:schemeClr val="bg1">
-              <a:lumMod val="95000"/>
-            </a:schemeClr>
-          </a:solidFill>
-          <a:effectLst>
-            <a:outerShdw blurRad="63500" sx="102000" sy="102000" algn="ctr" rotWithShape="0">
-              <a:prstClr val="black">
-                <a:alpha val="40000"/>
-              </a:prstClr>
-            </a:outerShdw>
-          </a:effectLst>
-        </p:spPr>
-        <p:txBody>
-          <a:bodyPr wrap="square" rtlCol="0">
-            <a:spAutoFit/>
-          </a:bodyPr>
-          <a:lstStyle/>
-          <a:p>
-            <a:r>
-              <a:rPr lang="fr-FR" sz="900" dirty="0"/>
-              <a:t>Lorem ipsum dolor sit amet, consectetur adipiscing elit. Praesent eu magna massa. Quisque gravida efficitur dolor iaculis laoreet. Sed gravida faucibus sodales. Fusce ullamcorper quis tortor eu scelerisque. Nullam eu aliquet ante</a:t>
-            </a:r>
-            <a:r>
-              <a:rPr lang="fr-FR" sz="900" dirty="0" smtClean="0"/>
-              <a:t>.</a:t>
-            </a:r>
-          </a:p>
-          <a:p>
-            <a:r>
-              <a:rPr lang="fr-FR" sz="900" dirty="0"/>
-              <a:t>Lorem ipsum dolor sit amet, consectetur adipiscing elit. Praesent eu magna massa. Quisque gravida efficitur dolor iaculis laoreet. Sed gravida faucibus sodales. Fusce ullamcorper quis tortor eu scelerisque. Nullam eu aliquet ante</a:t>
-            </a:r>
-            <a:r>
-              <a:rPr lang="fr-FR" sz="900" dirty="0" smtClean="0"/>
-              <a:t>.</a:t>
-            </a:r>
-            <a:endParaRPr lang="fr-FR" sz="900" dirty="0"/>
-          </a:p>
-        </p:txBody>
-      </p:sp>
       <p:grpSp>
         <p:nvGrpSpPr>
           <p:cNvPr id="37" name="Groupe 36"/>
@@ -16217,7 +13408,7 @@
         </p:nvGrpSpPr>
         <p:grpSpPr>
           <a:xfrm>
-            <a:off x="3646068" y="2057403"/>
+            <a:off x="3088856" y="659730"/>
             <a:ext cx="3163545" cy="2228850"/>
             <a:chOff x="3717505" y="1314450"/>
             <a:chExt cx="3589406" cy="2528887"/>
@@ -16650,8 +13841,8 @@
         </p:nvSpPr>
         <p:spPr>
           <a:xfrm>
-            <a:off x="2753669" y="2428878"/>
-            <a:ext cx="1285875" cy="412314"/>
+            <a:off x="2599043" y="1291265"/>
+            <a:ext cx="658508" cy="412314"/>
           </a:xfrm>
           <a:prstGeom prst="rightArrow">
             <a:avLst/>
@@ -16705,8 +13896,62 @@
         </p:nvSpPr>
         <p:spPr>
           <a:xfrm>
-            <a:off x="614363" y="4088728"/>
-            <a:ext cx="1874798" cy="369332"/>
+            <a:off x="455697" y="1347382"/>
+            <a:ext cx="1874798" cy="334566"/>
+          </a:xfrm>
+          <a:prstGeom prst="snip1Rect">
+            <a:avLst/>
+          </a:prstGeom>
+          <a:solidFill>
+            <a:srgbClr val="84BAFC"/>
+          </a:solidFill>
+          <a:ln>
+            <a:solidFill>
+              <a:schemeClr val="bg1">
+                <a:lumMod val="85000"/>
+              </a:schemeClr>
+            </a:solidFill>
+          </a:ln>
+        </p:spPr>
+        <p:txBody>
+          <a:bodyPr wrap="square" rtlCol="0">
+            <a:spAutoFit/>
+          </a:bodyPr>
+          <a:lstStyle/>
+          <a:p>
+            <a:pPr algn="ctr"/>
+            <a:r>
+              <a:rPr lang="fr-FR" sz="1400" dirty="0" err="1" smtClean="0">
+                <a:solidFill>
+                  <a:schemeClr val="bg1"/>
+                </a:solidFill>
+                <a:latin typeface="Consolas" panose="020B0609020204030204" pitchFamily="49" charset="0"/>
+                <a:ea typeface="Kozuka Gothic Pro L" panose="020B0200000000000000" pitchFamily="34" charset="-128"/>
+                <a:cs typeface="Consolas" panose="020B0609020204030204" pitchFamily="49" charset="0"/>
+              </a:rPr>
+              <a:t>WhileComp.xtext</a:t>
+            </a:r>
+            <a:endParaRPr lang="fr-FR" sz="1400" i="1" dirty="0" smtClean="0">
+              <a:solidFill>
+                <a:schemeClr val="bg1"/>
+              </a:solidFill>
+              <a:latin typeface="Consolas" panose="020B0609020204030204" pitchFamily="49" charset="0"/>
+              <a:ea typeface="Kozuka Gothic Pro L" panose="020B0200000000000000" pitchFamily="34" charset="-128"/>
+              <a:cs typeface="Consolas" panose="020B0609020204030204" pitchFamily="49" charset="0"/>
+            </a:endParaRPr>
+          </a:p>
+        </p:txBody>
+      </p:sp>
+      <p:sp>
+        <p:nvSpPr>
+          <p:cNvPr id="42" name="ZoneTexte 41"/>
+          <p:cNvSpPr txBox="1"/>
+          <p:nvPr/>
+        </p:nvSpPr>
+        <p:spPr>
+          <a:xfrm>
+            <a:off x="3028522" y="3074313"/>
+            <a:ext cx="3070575" cy="369332"/>
           </a:xfrm>
           <a:prstGeom prst="rect">
             <a:avLst/>
@@ -16721,95 +13966,6 @@
           <a:p>
             <a:pPr algn="ctr"/>
             <a:r>
-              <a:rPr lang="fr-FR" dirty="0" smtClean="0">
-                <a:latin typeface="Nirmala UI" panose="020B0502040204020203" pitchFamily="34" charset="0"/>
-                <a:ea typeface="Kozuka Gothic Pro L" panose="020B0200000000000000" pitchFamily="34" charset="-128"/>
-                <a:cs typeface="Nirmala UI" panose="020B0502040204020203" pitchFamily="34" charset="0"/>
-              </a:rPr>
-              <a:t>Fichier </a:t>
-            </a:r>
-            <a:r>
-              <a:rPr lang="fr-FR" dirty="0" err="1" smtClean="0">
-                <a:latin typeface="Nirmala UI" panose="020B0502040204020203" pitchFamily="34" charset="0"/>
-                <a:ea typeface="Kozuka Gothic Pro L" panose="020B0200000000000000" pitchFamily="34" charset="-128"/>
-                <a:cs typeface="Nirmala UI" panose="020B0502040204020203" pitchFamily="34" charset="0"/>
-              </a:rPr>
-              <a:t>while</a:t>
-            </a:r>
-            <a:endParaRPr lang="fr-FR" i="1" dirty="0" smtClean="0">
-              <a:latin typeface="Nirmala UI" panose="020B0502040204020203" pitchFamily="34" charset="0"/>
-              <a:ea typeface="Kozuka Gothic Pro L" panose="020B0200000000000000" pitchFamily="34" charset="-128"/>
-              <a:cs typeface="Nirmala UI" panose="020B0502040204020203" pitchFamily="34" charset="0"/>
-            </a:endParaRPr>
-          </a:p>
-        </p:txBody>
-      </p:sp>
-      <p:sp>
-        <p:nvSpPr>
-          <p:cNvPr id="41" name="ZoneTexte 40"/>
-          <p:cNvSpPr txBox="1"/>
-          <p:nvPr/>
-        </p:nvSpPr>
-        <p:spPr>
-          <a:xfrm>
-            <a:off x="2833066" y="2841192"/>
-            <a:ext cx="1029058" cy="646331"/>
-          </a:xfrm>
-          <a:prstGeom prst="rect">
-            <a:avLst/>
-          </a:prstGeom>
-          <a:noFill/>
-        </p:spPr>
-        <p:txBody>
-          <a:bodyPr wrap="square" rtlCol="0">
-            <a:spAutoFit/>
-          </a:bodyPr>
-          <a:lstStyle/>
-          <a:p>
-            <a:pPr algn="ctr"/>
-            <a:r>
-              <a:rPr lang="fr-FR" i="1" dirty="0" err="1" smtClean="0">
-                <a:latin typeface="Nirmala UI" panose="020B0502040204020203" pitchFamily="34" charset="0"/>
-                <a:ea typeface="Kozuka Gothic Pro L" panose="020B0200000000000000" pitchFamily="34" charset="-128"/>
-                <a:cs typeface="Nirmala UI" panose="020B0502040204020203" pitchFamily="34" charset="0"/>
-              </a:rPr>
-              <a:t>Parser</a:t>
-            </a:r>
-            <a:r>
-              <a:rPr lang="fr-FR" i="1" dirty="0" smtClean="0">
-                <a:latin typeface="Nirmala UI" panose="020B0502040204020203" pitchFamily="34" charset="0"/>
-                <a:ea typeface="Kozuka Gothic Pro L" panose="020B0200000000000000" pitchFamily="34" charset="-128"/>
-                <a:cs typeface="Nirmala UI" panose="020B0502040204020203" pitchFamily="34" charset="0"/>
-              </a:rPr>
-              <a:t> XTEXT</a:t>
-            </a:r>
-          </a:p>
-        </p:txBody>
-      </p:sp>
-      <p:sp>
-        <p:nvSpPr>
-          <p:cNvPr id="42" name="ZoneTexte 41"/>
-          <p:cNvSpPr txBox="1"/>
-          <p:nvPr/>
-        </p:nvSpPr>
-        <p:spPr>
-          <a:xfrm>
-            <a:off x="3884917" y="4458060"/>
-            <a:ext cx="2494103" cy="646331"/>
-          </a:xfrm>
-          <a:prstGeom prst="rect">
-            <a:avLst/>
-          </a:prstGeom>
-          <a:noFill/>
-        </p:spPr>
-        <p:txBody>
-          <a:bodyPr wrap="square" rtlCol="0">
-            <a:spAutoFit/>
-          </a:bodyPr>
-          <a:lstStyle/>
-          <a:p>
-            <a:pPr algn="ctr"/>
-            <a:r>
               <a:rPr lang="fr-FR" i="1" dirty="0" smtClean="0">
                 <a:latin typeface="Nirmala UI" panose="020B0502040204020203" pitchFamily="34" charset="0"/>
                 <a:ea typeface="Kozuka Gothic Pro L" panose="020B0200000000000000" pitchFamily="34" charset="-128"/>
@@ -16828,7 +13984,7 @@
         </p:nvSpPr>
         <p:spPr>
           <a:xfrm>
-            <a:off x="5031022" y="2000254"/>
+            <a:off x="4473810" y="602581"/>
             <a:ext cx="180000" cy="180000"/>
           </a:xfrm>
           <a:prstGeom prst="mathMultiply">
@@ -16882,7 +14038,7 @@
         </p:nvSpPr>
         <p:spPr>
           <a:xfrm>
-            <a:off x="5759101" y="2710355"/>
+            <a:off x="5201889" y="1312682"/>
             <a:ext cx="180000" cy="180000"/>
           </a:xfrm>
           <a:prstGeom prst="mathMultiply">
@@ -16936,7 +14092,7 @@
         </p:nvSpPr>
         <p:spPr>
           <a:xfrm>
-            <a:off x="6230036" y="3487523"/>
+            <a:off x="5672824" y="2089850"/>
             <a:ext cx="180000" cy="180000"/>
           </a:xfrm>
           <a:prstGeom prst="mathMultiply">
@@ -16990,7 +14146,7 @@
         </p:nvSpPr>
         <p:spPr>
           <a:xfrm>
-            <a:off x="5903849" y="4192156"/>
+            <a:off x="5346637" y="2794483"/>
             <a:ext cx="180000" cy="180000"/>
           </a:xfrm>
           <a:prstGeom prst="mathMultiply">
@@ -17044,7 +14200,7 @@
         </p:nvSpPr>
         <p:spPr>
           <a:xfrm>
-            <a:off x="6719613" y="4183394"/>
+            <a:off x="6162401" y="2785721"/>
             <a:ext cx="180000" cy="180000"/>
           </a:xfrm>
           <a:prstGeom prst="mathMultiply">
@@ -17098,7 +14254,7 @@
         </p:nvSpPr>
         <p:spPr>
           <a:xfrm>
-            <a:off x="5320467" y="3487523"/>
+            <a:off x="4763255" y="2089850"/>
             <a:ext cx="180000" cy="180000"/>
           </a:xfrm>
           <a:prstGeom prst="mathMultiply">
@@ -17152,7 +14308,7 @@
         </p:nvSpPr>
         <p:spPr>
           <a:xfrm>
-            <a:off x="4293108" y="2715999"/>
+            <a:off x="3735896" y="1318326"/>
             <a:ext cx="180000" cy="180000"/>
           </a:xfrm>
           <a:prstGeom prst="mathMultiply">
@@ -17206,7 +14362,7 @@
         </p:nvSpPr>
         <p:spPr>
           <a:xfrm>
-            <a:off x="3950670" y="3443564"/>
+            <a:off x="3393458" y="2045891"/>
             <a:ext cx="180000" cy="180000"/>
           </a:xfrm>
           <a:prstGeom prst="mathMultiply">
@@ -17260,7 +14416,7 @@
         </p:nvSpPr>
         <p:spPr>
           <a:xfrm>
-            <a:off x="4765057" y="3443564"/>
+            <a:off x="4207845" y="2045891"/>
             <a:ext cx="180000" cy="180000"/>
           </a:xfrm>
           <a:prstGeom prst="mathMultiply">
@@ -17314,7 +14470,7 @@
         </p:nvSpPr>
         <p:spPr>
           <a:xfrm>
-            <a:off x="4381043" y="4196703"/>
+            <a:off x="3823831" y="2799030"/>
             <a:ext cx="180000" cy="180000"/>
           </a:xfrm>
           <a:prstGeom prst="mathMultiply">
@@ -17368,7 +14524,7 @@
         </p:nvSpPr>
         <p:spPr>
           <a:xfrm>
-            <a:off x="4884314" y="4192156"/>
+            <a:off x="4327102" y="2794483"/>
             <a:ext cx="180000" cy="180000"/>
           </a:xfrm>
           <a:prstGeom prst="mathMultiply">
@@ -17422,7 +14578,7 @@
         </p:nvSpPr>
         <p:spPr>
           <a:xfrm>
-            <a:off x="3554828" y="4192156"/>
+            <a:off x="2997616" y="2794483"/>
             <a:ext cx="180000" cy="180000"/>
           </a:xfrm>
           <a:prstGeom prst="mathMultiply">
@@ -17470,29 +14626,205 @@
       </p:sp>
       <p:sp>
         <p:nvSpPr>
-          <p:cNvPr id="55" name="Multiplier 54"/>
+          <p:cNvPr id="78" name="Forme libre 77"/>
           <p:cNvSpPr/>
           <p:nvPr/>
         </p:nvSpPr>
         <p:spPr>
           <a:xfrm>
-            <a:off x="6963526" y="2360983"/>
-            <a:ext cx="552699" cy="552699"/>
+            <a:off x="5944839" y="1286525"/>
+            <a:ext cx="2332788" cy="1687781"/>
           </a:xfrm>
-          <a:prstGeom prst="mathMultiply">
+          <a:custGeom>
+            <a:avLst/>
+            <a:gdLst>
+              <a:gd name="connsiteX0" fmla="*/ 2126631 w 2332788"/>
+              <a:gd name="connsiteY0" fmla="*/ 0 h 1687781"/>
+              <a:gd name="connsiteX1" fmla="*/ 2332788 w 2332788"/>
+              <a:gd name="connsiteY1" fmla="*/ 206157 h 1687781"/>
+              <a:gd name="connsiteX2" fmla="*/ 2126631 w 2332788"/>
+              <a:gd name="connsiteY2" fmla="*/ 412314 h 1687781"/>
+              <a:gd name="connsiteX3" fmla="*/ 2126631 w 2332788"/>
+              <a:gd name="connsiteY3" fmla="*/ 309236 h 1687781"/>
+              <a:gd name="connsiteX4" fmla="*/ 1735966 w 2332788"/>
+              <a:gd name="connsiteY4" fmla="*/ 309236 h 1687781"/>
+              <a:gd name="connsiteX5" fmla="*/ 1735966 w 2332788"/>
+              <a:gd name="connsiteY5" fmla="*/ 1481624 h 1687781"/>
+              <a:gd name="connsiteX6" fmla="*/ 1839045 w 2332788"/>
+              <a:gd name="connsiteY6" fmla="*/ 1481624 h 1687781"/>
+              <a:gd name="connsiteX7" fmla="*/ 1632888 w 2332788"/>
+              <a:gd name="connsiteY7" fmla="*/ 1687781 h 1687781"/>
+              <a:gd name="connsiteX8" fmla="*/ 1426731 w 2332788"/>
+              <a:gd name="connsiteY8" fmla="*/ 1481624 h 1687781"/>
+              <a:gd name="connsiteX9" fmla="*/ 1529809 w 2332788"/>
+              <a:gd name="connsiteY9" fmla="*/ 1481624 h 1687781"/>
+              <a:gd name="connsiteX10" fmla="*/ 1529809 w 2332788"/>
+              <a:gd name="connsiteY10" fmla="*/ 309236 h 1687781"/>
+              <a:gd name="connsiteX11" fmla="*/ 0 w 2332788"/>
+              <a:gd name="connsiteY11" fmla="*/ 309236 h 1687781"/>
+              <a:gd name="connsiteX12" fmla="*/ 0 w 2332788"/>
+              <a:gd name="connsiteY12" fmla="*/ 103079 h 1687781"/>
+              <a:gd name="connsiteX13" fmla="*/ 2126631 w 2332788"/>
+              <a:gd name="connsiteY13" fmla="*/ 103079 h 1687781"/>
+            </a:gdLst>
+            <a:ahLst/>
+            <a:cxnLst>
+              <a:cxn ang="0">
+                <a:pos x="connsiteX0" y="connsiteY0"/>
+              </a:cxn>
+              <a:cxn ang="0">
+                <a:pos x="connsiteX1" y="connsiteY1"/>
+              </a:cxn>
+              <a:cxn ang="0">
+                <a:pos x="connsiteX2" y="connsiteY2"/>
+              </a:cxn>
+              <a:cxn ang="0">
+                <a:pos x="connsiteX3" y="connsiteY3"/>
+              </a:cxn>
+              <a:cxn ang="0">
+                <a:pos x="connsiteX4" y="connsiteY4"/>
+              </a:cxn>
+              <a:cxn ang="0">
+                <a:pos x="connsiteX5" y="connsiteY5"/>
+              </a:cxn>
+              <a:cxn ang="0">
+                <a:pos x="connsiteX6" y="connsiteY6"/>
+              </a:cxn>
+              <a:cxn ang="0">
+                <a:pos x="connsiteX7" y="connsiteY7"/>
+              </a:cxn>
+              <a:cxn ang="0">
+                <a:pos x="connsiteX8" y="connsiteY8"/>
+              </a:cxn>
+              <a:cxn ang="0">
+                <a:pos x="connsiteX9" y="connsiteY9"/>
+              </a:cxn>
+              <a:cxn ang="0">
+                <a:pos x="connsiteX10" y="connsiteY10"/>
+              </a:cxn>
+              <a:cxn ang="0">
+                <a:pos x="connsiteX11" y="connsiteY11"/>
+              </a:cxn>
+              <a:cxn ang="0">
+                <a:pos x="connsiteX12" y="connsiteY12"/>
+              </a:cxn>
+              <a:cxn ang="0">
+                <a:pos x="connsiteX13" y="connsiteY13"/>
+              </a:cxn>
+            </a:cxnLst>
+            <a:rect l="l" t="t" r="r" b="b"/>
+            <a:pathLst>
+              <a:path w="2332788" h="1687781">
+                <a:moveTo>
+                  <a:pt x="2126631" y="0"/>
+                </a:moveTo>
+                <a:lnTo>
+                  <a:pt x="2332788" y="206157"/>
+                </a:lnTo>
+                <a:lnTo>
+                  <a:pt x="2126631" y="412314"/>
+                </a:lnTo>
+                <a:lnTo>
+                  <a:pt x="2126631" y="309236"/>
+                </a:lnTo>
+                <a:lnTo>
+                  <a:pt x="1735966" y="309236"/>
+                </a:lnTo>
+                <a:lnTo>
+                  <a:pt x="1735966" y="1481624"/>
+                </a:lnTo>
+                <a:lnTo>
+                  <a:pt x="1839045" y="1481624"/>
+                </a:lnTo>
+                <a:lnTo>
+                  <a:pt x="1632888" y="1687781"/>
+                </a:lnTo>
+                <a:lnTo>
+                  <a:pt x="1426731" y="1481624"/>
+                </a:lnTo>
+                <a:lnTo>
+                  <a:pt x="1529809" y="1481624"/>
+                </a:lnTo>
+                <a:lnTo>
+                  <a:pt x="1529809" y="309236"/>
+                </a:lnTo>
+                <a:lnTo>
+                  <a:pt x="0" y="309236"/>
+                </a:lnTo>
+                <a:lnTo>
+                  <a:pt x="0" y="103079"/>
+                </a:lnTo>
+                <a:lnTo>
+                  <a:pt x="2126631" y="103079"/>
+                </a:lnTo>
+                <a:close/>
+              </a:path>
+            </a:pathLst>
+          </a:custGeom>
+          <a:solidFill>
+            <a:schemeClr val="accent6"/>
+          </a:solidFill>
+          <a:ln>
+            <a:solidFill>
+              <a:schemeClr val="bg1"/>
+            </a:solidFill>
+          </a:ln>
+          <a:effectLst>
+            <a:outerShdw blurRad="50800" dist="38100" dir="2700000" algn="tl" rotWithShape="0">
+              <a:prstClr val="black">
+                <a:alpha val="40000"/>
+              </a:prstClr>
+            </a:outerShdw>
+          </a:effectLst>
+        </p:spPr>
+        <p:style>
+          <a:lnRef idx="2">
+            <a:schemeClr val="accent1">
+              <a:shade val="50000"/>
+            </a:schemeClr>
+          </a:lnRef>
+          <a:fillRef idx="1">
+            <a:schemeClr val="accent1"/>
+          </a:fillRef>
+          <a:effectRef idx="0">
+            <a:schemeClr val="accent1"/>
+          </a:effectRef>
+          <a:fontRef idx="minor">
+            <a:schemeClr val="lt1"/>
+          </a:fontRef>
+        </p:style>
+        <p:txBody>
+          <a:bodyPr wrap="square" rtlCol="0" anchor="ctr">
+            <a:noAutofit/>
+          </a:bodyPr>
+          <a:lstStyle/>
+          <a:p>
+            <a:pPr algn="ctr"/>
+            <a:endParaRPr lang="fr-FR"/>
+          </a:p>
+        </p:txBody>
+      </p:sp>
+      <p:sp>
+        <p:nvSpPr>
+          <p:cNvPr id="4" name="Rectangle à coins arrondis 3"/>
+          <p:cNvSpPr/>
+          <p:nvPr/>
+        </p:nvSpPr>
+        <p:spPr>
+          <a:xfrm>
+            <a:off x="6480227" y="3541581"/>
+            <a:ext cx="2121716" cy="397185"/>
+          </a:xfrm>
+          <a:prstGeom prst="roundRect">
             <a:avLst/>
           </a:prstGeom>
           <a:solidFill>
-            <a:schemeClr val="accent4">
-              <a:lumMod val="60000"/>
-              <a:lumOff val="40000"/>
-            </a:schemeClr>
+            <a:srgbClr val="FCECAA"/>
           </a:solidFill>
           <a:ln>
             <a:solidFill>
-              <a:schemeClr val="tx1">
-                <a:lumMod val="50000"/>
-                <a:lumOff val="50000"/>
+              <a:schemeClr val="bg1">
+                <a:lumMod val="85000"/>
               </a:schemeClr>
             </a:solidFill>
           </a:ln>
@@ -17518,20 +14850,447 @@
           <a:lstStyle/>
           <a:p>
             <a:pPr algn="ctr"/>
-            <a:endParaRPr lang="fr-FR"/>
+            <a:r>
+              <a:rPr lang="fr-FR" sz="1400" dirty="0" smtClean="0">
+                <a:solidFill>
+                  <a:schemeClr val="tx1"/>
+                </a:solidFill>
+                <a:latin typeface="Consolas" panose="020B0609020204030204" pitchFamily="49" charset="0"/>
+                <a:cs typeface="Consolas" panose="020B0609020204030204" pitchFamily="49" charset="0"/>
+              </a:rPr>
+              <a:t>Package « sprint2 »</a:t>
+            </a:r>
+            <a:endParaRPr lang="fr-FR" sz="1400" dirty="0">
+              <a:solidFill>
+                <a:schemeClr val="tx1"/>
+              </a:solidFill>
+              <a:latin typeface="Consolas" panose="020B0609020204030204" pitchFamily="49" charset="0"/>
+              <a:cs typeface="Consolas" panose="020B0609020204030204" pitchFamily="49" charset="0"/>
+            </a:endParaRPr>
           </a:p>
         </p:txBody>
       </p:sp>
       <p:sp>
         <p:nvSpPr>
-          <p:cNvPr id="56" name="ZoneTexte 55"/>
+          <p:cNvPr id="68" name="ZoneTexte 67"/>
           <p:cNvSpPr txBox="1"/>
           <p:nvPr/>
         </p:nvSpPr>
         <p:spPr>
           <a:xfrm>
-            <a:off x="7516225" y="2360983"/>
-            <a:ext cx="2585169" cy="646331"/>
+            <a:off x="8437411" y="1344798"/>
+            <a:ext cx="2833742" cy="334566"/>
+          </a:xfrm>
+          <a:prstGeom prst="snip1Rect">
+            <a:avLst/>
+          </a:prstGeom>
+          <a:solidFill>
+            <a:srgbClr val="84BAFC"/>
+          </a:solidFill>
+          <a:ln>
+            <a:solidFill>
+              <a:schemeClr val="bg1">
+                <a:lumMod val="85000"/>
+              </a:schemeClr>
+            </a:solidFill>
+          </a:ln>
+        </p:spPr>
+        <p:txBody>
+          <a:bodyPr wrap="square" rtlCol="0">
+            <a:spAutoFit/>
+          </a:bodyPr>
+          <a:lstStyle/>
+          <a:p>
+            <a:pPr algn="ctr"/>
+            <a:r>
+              <a:rPr lang="fr-FR" sz="1400" dirty="0" err="1" smtClean="0">
+                <a:solidFill>
+                  <a:schemeClr val="bg1"/>
+                </a:solidFill>
+                <a:latin typeface="Consolas" panose="020B0609020204030204" pitchFamily="49" charset="0"/>
+                <a:ea typeface="Kozuka Gothic Pro L" panose="020B0200000000000000" pitchFamily="34" charset="-128"/>
+                <a:cs typeface="Consolas" panose="020B0609020204030204" pitchFamily="49" charset="0"/>
+              </a:rPr>
+              <a:t>WhileCompGenerator.xtend</a:t>
+            </a:r>
+            <a:endParaRPr lang="fr-FR" sz="1400" dirty="0">
+              <a:solidFill>
+                <a:schemeClr val="bg1"/>
+              </a:solidFill>
+              <a:latin typeface="Consolas" panose="020B0609020204030204" pitchFamily="49" charset="0"/>
+              <a:ea typeface="Kozuka Gothic Pro L" panose="020B0200000000000000" pitchFamily="34" charset="-128"/>
+              <a:cs typeface="Consolas" panose="020B0609020204030204" pitchFamily="49" charset="0"/>
+            </a:endParaRPr>
+          </a:p>
+        </p:txBody>
+      </p:sp>
+      <p:sp>
+        <p:nvSpPr>
+          <p:cNvPr id="69" name="ZoneTexte 68"/>
+          <p:cNvSpPr txBox="1"/>
+          <p:nvPr/>
+        </p:nvSpPr>
+        <p:spPr>
+          <a:xfrm>
+            <a:off x="6480227" y="4174846"/>
+            <a:ext cx="2194999" cy="334566"/>
+          </a:xfrm>
+          <a:prstGeom prst="snip1Rect">
+            <a:avLst/>
+          </a:prstGeom>
+          <a:solidFill>
+            <a:srgbClr val="84BAFC"/>
+          </a:solidFill>
+          <a:ln>
+            <a:solidFill>
+              <a:schemeClr val="bg1">
+                <a:lumMod val="85000"/>
+              </a:schemeClr>
+            </a:solidFill>
+          </a:ln>
+        </p:spPr>
+        <p:txBody>
+          <a:bodyPr wrap="square" rtlCol="0">
+            <a:spAutoFit/>
+          </a:bodyPr>
+          <a:lstStyle/>
+          <a:p>
+            <a:pPr algn="ctr"/>
+            <a:r>
+              <a:rPr lang="fr-FR" sz="1400" dirty="0" smtClean="0">
+                <a:solidFill>
+                  <a:schemeClr val="bg1"/>
+                </a:solidFill>
+                <a:latin typeface="Consolas" panose="020B0609020204030204" pitchFamily="49" charset="0"/>
+                <a:ea typeface="Kozuka Gothic Pro L" panose="020B0200000000000000" pitchFamily="34" charset="-128"/>
+                <a:cs typeface="Consolas" panose="020B0609020204030204" pitchFamily="49" charset="0"/>
+              </a:rPr>
+              <a:t>GeneratorAddr.java</a:t>
+            </a:r>
+            <a:endParaRPr lang="fr-FR" sz="1400" dirty="0">
+              <a:solidFill>
+                <a:schemeClr val="bg1"/>
+              </a:solidFill>
+              <a:latin typeface="Consolas" panose="020B0609020204030204" pitchFamily="49" charset="0"/>
+              <a:ea typeface="Kozuka Gothic Pro L" panose="020B0200000000000000" pitchFamily="34" charset="-128"/>
+              <a:cs typeface="Consolas" panose="020B0609020204030204" pitchFamily="49" charset="0"/>
+            </a:endParaRPr>
+          </a:p>
+        </p:txBody>
+      </p:sp>
+      <p:sp>
+        <p:nvSpPr>
+          <p:cNvPr id="70" name="Flèche droite 69"/>
+          <p:cNvSpPr/>
+          <p:nvPr/>
+        </p:nvSpPr>
+        <p:spPr>
+          <a:xfrm rot="10800000">
+            <a:off x="5201889" y="4135972"/>
+            <a:ext cx="872104" cy="412314"/>
+          </a:xfrm>
+          <a:prstGeom prst="rightArrow">
+            <a:avLst/>
+          </a:prstGeom>
+          <a:solidFill>
+            <a:schemeClr val="accent6"/>
+          </a:solidFill>
+          <a:ln>
+            <a:solidFill>
+              <a:schemeClr val="bg1"/>
+            </a:solidFill>
+          </a:ln>
+          <a:effectLst>
+            <a:outerShdw blurRad="50800" dist="38100" dir="2700000" algn="tl" rotWithShape="0">
+              <a:prstClr val="black">
+                <a:alpha val="40000"/>
+              </a:prstClr>
+            </a:outerShdw>
+          </a:effectLst>
+        </p:spPr>
+        <p:style>
+          <a:lnRef idx="2">
+            <a:schemeClr val="accent1">
+              <a:shade val="50000"/>
+            </a:schemeClr>
+          </a:lnRef>
+          <a:fillRef idx="1">
+            <a:schemeClr val="accent1"/>
+          </a:fillRef>
+          <a:effectRef idx="0">
+            <a:schemeClr val="accent1"/>
+          </a:effectRef>
+          <a:fontRef idx="minor">
+            <a:schemeClr val="lt1"/>
+          </a:fontRef>
+        </p:style>
+        <p:txBody>
+          <a:bodyPr rtlCol="0" anchor="ctr"/>
+          <a:lstStyle/>
+          <a:p>
+            <a:pPr algn="ctr"/>
+            <a:endParaRPr lang="fr-FR"/>
+          </a:p>
+        </p:txBody>
+      </p:sp>
+      <p:sp>
+        <p:nvSpPr>
+          <p:cNvPr id="71" name="ZoneTexte 70"/>
+          <p:cNvSpPr txBox="1"/>
+          <p:nvPr/>
+        </p:nvSpPr>
+        <p:spPr>
+          <a:xfrm>
+            <a:off x="2751233" y="4378627"/>
+            <a:ext cx="2194999" cy="334566"/>
+          </a:xfrm>
+          <a:prstGeom prst="snip1Rect">
+            <a:avLst/>
+          </a:prstGeom>
+          <a:solidFill>
+            <a:srgbClr val="84BAFC"/>
+          </a:solidFill>
+          <a:ln>
+            <a:solidFill>
+              <a:schemeClr val="bg1">
+                <a:lumMod val="85000"/>
+              </a:schemeClr>
+            </a:solidFill>
+          </a:ln>
+        </p:spPr>
+        <p:txBody>
+          <a:bodyPr wrap="square" rtlCol="0">
+            <a:spAutoFit/>
+          </a:bodyPr>
+          <a:lstStyle/>
+          <a:p>
+            <a:pPr algn="ctr"/>
+            <a:r>
+              <a:rPr lang="fr-FR" sz="1400" dirty="0" smtClean="0">
+                <a:solidFill>
+                  <a:schemeClr val="bg1"/>
+                </a:solidFill>
+                <a:latin typeface="Consolas" panose="020B0609020204030204" pitchFamily="49" charset="0"/>
+                <a:ea typeface="Kozuka Gothic Pro L" panose="020B0200000000000000" pitchFamily="34" charset="-128"/>
+                <a:cs typeface="Consolas" panose="020B0609020204030204" pitchFamily="49" charset="0"/>
+              </a:rPr>
+              <a:t>CSTranslator.java</a:t>
+            </a:r>
+            <a:endParaRPr lang="fr-FR" sz="1400" dirty="0">
+              <a:solidFill>
+                <a:schemeClr val="bg1"/>
+              </a:solidFill>
+              <a:latin typeface="Consolas" panose="020B0609020204030204" pitchFamily="49" charset="0"/>
+              <a:ea typeface="Kozuka Gothic Pro L" panose="020B0200000000000000" pitchFamily="34" charset="-128"/>
+              <a:cs typeface="Consolas" panose="020B0609020204030204" pitchFamily="49" charset="0"/>
+            </a:endParaRPr>
+          </a:p>
+        </p:txBody>
+      </p:sp>
+      <p:sp>
+        <p:nvSpPr>
+          <p:cNvPr id="72" name="ZoneTexte 71"/>
+          <p:cNvSpPr txBox="1"/>
+          <p:nvPr/>
+        </p:nvSpPr>
+        <p:spPr>
+          <a:xfrm>
+            <a:off x="9179181" y="3938766"/>
+            <a:ext cx="1660883" cy="334566"/>
+          </a:xfrm>
+          <a:prstGeom prst="snip1Rect">
+            <a:avLst/>
+          </a:prstGeom>
+          <a:solidFill>
+            <a:srgbClr val="766CFC"/>
+          </a:solidFill>
+          <a:ln>
+            <a:solidFill>
+              <a:schemeClr val="bg1">
+                <a:lumMod val="85000"/>
+              </a:schemeClr>
+            </a:solidFill>
+          </a:ln>
+        </p:spPr>
+        <p:txBody>
+          <a:bodyPr wrap="square" rtlCol="0">
+            <a:spAutoFit/>
+          </a:bodyPr>
+          <a:lstStyle/>
+          <a:p>
+            <a:pPr algn="ctr"/>
+            <a:r>
+              <a:rPr lang="fr-FR" sz="1400" dirty="0" smtClean="0">
+                <a:solidFill>
+                  <a:schemeClr val="bg1"/>
+                </a:solidFill>
+                <a:latin typeface="Consolas" panose="020B0609020204030204" pitchFamily="49" charset="0"/>
+                <a:ea typeface="Kozuka Gothic Pro L" panose="020B0200000000000000" pitchFamily="34" charset="-128"/>
+                <a:cs typeface="Consolas" panose="020B0609020204030204" pitchFamily="49" charset="0"/>
+              </a:rPr>
+              <a:t>DefFun.java</a:t>
+            </a:r>
+            <a:endParaRPr lang="fr-FR" sz="1400" dirty="0">
+              <a:solidFill>
+                <a:schemeClr val="bg1"/>
+              </a:solidFill>
+              <a:latin typeface="Consolas" panose="020B0609020204030204" pitchFamily="49" charset="0"/>
+              <a:ea typeface="Kozuka Gothic Pro L" panose="020B0200000000000000" pitchFamily="34" charset="-128"/>
+              <a:cs typeface="Consolas" panose="020B0609020204030204" pitchFamily="49" charset="0"/>
+            </a:endParaRPr>
+          </a:p>
+        </p:txBody>
+      </p:sp>
+      <p:sp>
+        <p:nvSpPr>
+          <p:cNvPr id="73" name="ZoneTexte 72"/>
+          <p:cNvSpPr txBox="1"/>
+          <p:nvPr/>
+        </p:nvSpPr>
+        <p:spPr>
+          <a:xfrm>
+            <a:off x="9179181" y="4504965"/>
+            <a:ext cx="2324561" cy="334566"/>
+          </a:xfrm>
+          <a:prstGeom prst="snip1Rect">
+            <a:avLst/>
+          </a:prstGeom>
+          <a:solidFill>
+            <a:srgbClr val="766CFC"/>
+          </a:solidFill>
+          <a:ln>
+            <a:solidFill>
+              <a:schemeClr val="bg1">
+                <a:lumMod val="85000"/>
+              </a:schemeClr>
+            </a:solidFill>
+          </a:ln>
+        </p:spPr>
+        <p:txBody>
+          <a:bodyPr wrap="square" rtlCol="0">
+            <a:spAutoFit/>
+          </a:bodyPr>
+          <a:lstStyle/>
+          <a:p>
+            <a:pPr algn="ctr"/>
+            <a:r>
+              <a:rPr lang="fr-FR" sz="1400" dirty="0" smtClean="0">
+                <a:solidFill>
+                  <a:schemeClr val="bg1"/>
+                </a:solidFill>
+                <a:latin typeface="Consolas" panose="020B0609020204030204" pitchFamily="49" charset="0"/>
+                <a:ea typeface="Kozuka Gothic Pro L" panose="020B0200000000000000" pitchFamily="34" charset="-128"/>
+                <a:cs typeface="Consolas" panose="020B0609020204030204" pitchFamily="49" charset="0"/>
+              </a:rPr>
+              <a:t>ThreeAddressCode.java</a:t>
+            </a:r>
+            <a:endParaRPr lang="fr-FR" sz="1400" dirty="0">
+              <a:solidFill>
+                <a:schemeClr val="bg1"/>
+              </a:solidFill>
+              <a:latin typeface="Consolas" panose="020B0609020204030204" pitchFamily="49" charset="0"/>
+              <a:ea typeface="Kozuka Gothic Pro L" panose="020B0200000000000000" pitchFamily="34" charset="-128"/>
+              <a:cs typeface="Consolas" panose="020B0609020204030204" pitchFamily="49" charset="0"/>
+            </a:endParaRPr>
+          </a:p>
+        </p:txBody>
+      </p:sp>
+      <p:cxnSp>
+        <p:nvCxnSpPr>
+          <p:cNvPr id="6" name="Connecteur droit avec flèche 5"/>
+          <p:cNvCxnSpPr>
+            <a:stCxn id="69" idx="0"/>
+            <a:endCxn id="72" idx="2"/>
+          </p:cNvCxnSpPr>
+          <p:nvPr/>
+        </p:nvCxnSpPr>
+        <p:spPr>
+          <a:xfrm flipV="1">
+            <a:off x="8675226" y="4106049"/>
+            <a:ext cx="503955" cy="236080"/>
+          </a:xfrm>
+          <a:prstGeom prst="straightConnector1">
+            <a:avLst/>
+          </a:prstGeom>
+          <a:ln>
+            <a:solidFill>
+              <a:schemeClr val="tx1">
+                <a:lumMod val="50000"/>
+                <a:lumOff val="50000"/>
+              </a:schemeClr>
+            </a:solidFill>
+            <a:prstDash val="dash"/>
+            <a:tailEnd type="triangle"/>
+          </a:ln>
+        </p:spPr>
+        <p:style>
+          <a:lnRef idx="1">
+            <a:schemeClr val="accent1"/>
+          </a:lnRef>
+          <a:fillRef idx="0">
+            <a:schemeClr val="accent1"/>
+          </a:fillRef>
+          <a:effectRef idx="0">
+            <a:schemeClr val="accent1"/>
+          </a:effectRef>
+          <a:fontRef idx="minor">
+            <a:schemeClr val="tx1"/>
+          </a:fontRef>
+        </p:style>
+      </p:cxnSp>
+      <p:cxnSp>
+        <p:nvCxnSpPr>
+          <p:cNvPr id="75" name="Connecteur droit avec flèche 74"/>
+          <p:cNvCxnSpPr>
+            <a:stCxn id="69" idx="0"/>
+            <a:endCxn id="73" idx="2"/>
+          </p:cNvCxnSpPr>
+          <p:nvPr/>
+        </p:nvCxnSpPr>
+        <p:spPr>
+          <a:xfrm>
+            <a:off x="8675226" y="4342129"/>
+            <a:ext cx="503955" cy="330119"/>
+          </a:xfrm>
+          <a:prstGeom prst="straightConnector1">
+            <a:avLst/>
+          </a:prstGeom>
+          <a:ln>
+            <a:solidFill>
+              <a:schemeClr val="tx1">
+                <a:lumMod val="50000"/>
+                <a:lumOff val="50000"/>
+              </a:schemeClr>
+            </a:solidFill>
+            <a:prstDash val="dash"/>
+            <a:tailEnd type="triangle"/>
+          </a:ln>
+        </p:spPr>
+        <p:style>
+          <a:lnRef idx="1">
+            <a:schemeClr val="accent1"/>
+          </a:lnRef>
+          <a:fillRef idx="0">
+            <a:schemeClr val="accent1"/>
+          </a:fillRef>
+          <a:effectRef idx="0">
+            <a:schemeClr val="accent1"/>
+          </a:effectRef>
+          <a:fontRef idx="minor">
+            <a:schemeClr val="tx1"/>
+          </a:fontRef>
+        </p:style>
+      </p:cxnSp>
+      <p:sp>
+        <p:nvSpPr>
+          <p:cNvPr id="76" name="ZoneTexte 75"/>
+          <p:cNvSpPr txBox="1"/>
+          <p:nvPr/>
+        </p:nvSpPr>
+        <p:spPr>
+          <a:xfrm>
+            <a:off x="6480227" y="4578209"/>
+            <a:ext cx="2194999" cy="646331"/>
           </a:xfrm>
           <a:prstGeom prst="rect">
             <a:avLst/>
@@ -17544,201 +15303,44 @@
           </a:bodyPr>
           <a:lstStyle/>
           <a:p>
-            <a:r>
-              <a:rPr lang="fr-FR" dirty="0" smtClean="0"/>
-              <a:t>Une règle d’écriture particulière</a:t>
-            </a:r>
-            <a:endParaRPr lang="fr-FR" dirty="0"/>
+            <a:pPr algn="ctr"/>
+            <a:r>
+              <a:rPr lang="fr-FR" i="1" dirty="0" smtClean="0">
+                <a:latin typeface="Nirmala UI" panose="020B0502040204020203" pitchFamily="34" charset="0"/>
+                <a:ea typeface="Kozuka Gothic Pro L" panose="020B0200000000000000" pitchFamily="34" charset="-128"/>
+                <a:cs typeface="Nirmala UI" panose="020B0502040204020203" pitchFamily="34" charset="0"/>
+              </a:rPr>
+              <a:t>Table des symboles</a:t>
+            </a:r>
+          </a:p>
+          <a:p>
+            <a:pPr algn="ctr"/>
+            <a:r>
+              <a:rPr lang="fr-FR" i="1" dirty="0" smtClean="0">
+                <a:latin typeface="Nirmala UI" panose="020B0502040204020203" pitchFamily="34" charset="0"/>
+                <a:ea typeface="Kozuka Gothic Pro L" panose="020B0200000000000000" pitchFamily="34" charset="-128"/>
+                <a:cs typeface="Nirmala UI" panose="020B0502040204020203" pitchFamily="34" charset="0"/>
+              </a:rPr>
+              <a:t>Code 3 adresses</a:t>
+            </a:r>
+            <a:endParaRPr lang="fr-FR" i="1" dirty="0" smtClean="0">
+              <a:latin typeface="Nirmala UI" panose="020B0502040204020203" pitchFamily="34" charset="0"/>
+              <a:ea typeface="Kozuka Gothic Pro L" panose="020B0200000000000000" pitchFamily="34" charset="-128"/>
+              <a:cs typeface="Nirmala UI" panose="020B0502040204020203" pitchFamily="34" charset="0"/>
+            </a:endParaRPr>
           </a:p>
         </p:txBody>
       </p:sp>
-      <p:grpSp>
-        <p:nvGrpSpPr>
-          <p:cNvPr id="61" name="Groupe 60"/>
-          <p:cNvGrpSpPr/>
-          <p:nvPr/>
-        </p:nvGrpSpPr>
-        <p:grpSpPr>
-          <a:xfrm>
-            <a:off x="6865021" y="3364952"/>
-            <a:ext cx="779221" cy="755363"/>
-            <a:chOff x="6865021" y="1807604"/>
-            <a:chExt cx="779221" cy="755363"/>
-          </a:xfrm>
-        </p:grpSpPr>
-        <p:sp>
-          <p:nvSpPr>
-            <p:cNvPr id="57" name="Multiplier 56"/>
-            <p:cNvSpPr/>
-            <p:nvPr/>
-          </p:nvSpPr>
-          <p:spPr>
-            <a:xfrm>
-              <a:off x="6977682" y="1807604"/>
-              <a:ext cx="552699" cy="552699"/>
-            </a:xfrm>
-            <a:prstGeom prst="mathMultiply">
-              <a:avLst/>
-            </a:prstGeom>
-            <a:solidFill>
-              <a:schemeClr val="accent4">
-                <a:lumMod val="60000"/>
-                <a:lumOff val="40000"/>
-              </a:schemeClr>
-            </a:solidFill>
-            <a:ln>
-              <a:solidFill>
-                <a:schemeClr val="tx1">
-                  <a:lumMod val="50000"/>
-                  <a:lumOff val="50000"/>
-                </a:schemeClr>
-              </a:solidFill>
-            </a:ln>
-          </p:spPr>
-          <p:style>
-            <a:lnRef idx="2">
-              <a:schemeClr val="accent1">
-                <a:shade val="50000"/>
-              </a:schemeClr>
-            </a:lnRef>
-            <a:fillRef idx="1">
-              <a:schemeClr val="accent1"/>
-            </a:fillRef>
-            <a:effectRef idx="0">
-              <a:schemeClr val="accent1"/>
-            </a:effectRef>
-            <a:fontRef idx="minor">
-              <a:schemeClr val="lt1"/>
-            </a:fontRef>
-          </p:style>
-          <p:txBody>
-            <a:bodyPr rtlCol="0" anchor="ctr"/>
-            <a:lstStyle/>
-            <a:p>
-              <a:pPr algn="ctr"/>
-              <a:endParaRPr lang="fr-FR"/>
-            </a:p>
-          </p:txBody>
-        </p:sp>
-        <p:sp>
-          <p:nvSpPr>
-            <p:cNvPr id="58" name="Multiplier 57"/>
-            <p:cNvSpPr/>
-            <p:nvPr/>
-          </p:nvSpPr>
-          <p:spPr>
-            <a:xfrm>
-              <a:off x="7091543" y="2010268"/>
-              <a:ext cx="552699" cy="552699"/>
-            </a:xfrm>
-            <a:prstGeom prst="mathMultiply">
-              <a:avLst/>
-            </a:prstGeom>
-            <a:solidFill>
-              <a:schemeClr val="accent4">
-                <a:lumMod val="60000"/>
-                <a:lumOff val="40000"/>
-              </a:schemeClr>
-            </a:solidFill>
-            <a:ln>
-              <a:solidFill>
-                <a:schemeClr val="tx1">
-                  <a:lumMod val="50000"/>
-                  <a:lumOff val="50000"/>
-                </a:schemeClr>
-              </a:solidFill>
-            </a:ln>
-          </p:spPr>
-          <p:style>
-            <a:lnRef idx="2">
-              <a:schemeClr val="accent1">
-                <a:shade val="50000"/>
-              </a:schemeClr>
-            </a:lnRef>
-            <a:fillRef idx="1">
-              <a:schemeClr val="accent1"/>
-            </a:fillRef>
-            <a:effectRef idx="0">
-              <a:schemeClr val="accent1"/>
-            </a:effectRef>
-            <a:fontRef idx="minor">
-              <a:schemeClr val="lt1"/>
-            </a:fontRef>
-          </p:style>
-          <p:txBody>
-            <a:bodyPr rtlCol="0" anchor="ctr"/>
-            <a:lstStyle/>
-            <a:p>
-              <a:pPr algn="ctr"/>
-              <a:endParaRPr lang="fr-FR"/>
-            </a:p>
-          </p:txBody>
-        </p:sp>
-        <p:sp>
-          <p:nvSpPr>
-            <p:cNvPr id="59" name="Multiplier 58"/>
-            <p:cNvSpPr/>
-            <p:nvPr/>
-          </p:nvSpPr>
-          <p:spPr>
-            <a:xfrm>
-              <a:off x="6865021" y="1939442"/>
-              <a:ext cx="552699" cy="552699"/>
-            </a:xfrm>
-            <a:prstGeom prst="mathMultiply">
-              <a:avLst/>
-            </a:prstGeom>
-            <a:solidFill>
-              <a:schemeClr val="accent4">
-                <a:lumMod val="60000"/>
-                <a:lumOff val="40000"/>
-              </a:schemeClr>
-            </a:solidFill>
-            <a:ln>
-              <a:solidFill>
-                <a:schemeClr val="tx1">
-                  <a:lumMod val="50000"/>
-                  <a:lumOff val="50000"/>
-                </a:schemeClr>
-              </a:solidFill>
-            </a:ln>
-          </p:spPr>
-          <p:style>
-            <a:lnRef idx="2">
-              <a:schemeClr val="accent1">
-                <a:shade val="50000"/>
-              </a:schemeClr>
-            </a:lnRef>
-            <a:fillRef idx="1">
-              <a:schemeClr val="accent1"/>
-            </a:fillRef>
-            <a:effectRef idx="0">
-              <a:schemeClr val="accent1"/>
-            </a:effectRef>
-            <a:fontRef idx="minor">
-              <a:schemeClr val="lt1"/>
-            </a:fontRef>
-          </p:style>
-          <p:txBody>
-            <a:bodyPr rtlCol="0" anchor="ctr"/>
-            <a:lstStyle/>
-            <a:p>
-              <a:pPr algn="ctr"/>
-              <a:endParaRPr lang="fr-FR"/>
-            </a:p>
-          </p:txBody>
-        </p:sp>
-      </p:grpSp>
       <p:sp>
         <p:nvSpPr>
-          <p:cNvPr id="60" name="ZoneTexte 59"/>
+          <p:cNvPr id="77" name="ZoneTexte 76"/>
           <p:cNvSpPr txBox="1"/>
           <p:nvPr/>
         </p:nvSpPr>
         <p:spPr>
           <a:xfrm>
-            <a:off x="7544668" y="3277265"/>
-            <a:ext cx="2585169" cy="923330"/>
+            <a:off x="2751233" y="4786618"/>
+            <a:ext cx="2192022" cy="369332"/>
           </a:xfrm>
           <a:prstGeom prst="rect">
             <a:avLst/>
@@ -17751,35 +15353,172 @@
           </a:bodyPr>
           <a:lstStyle/>
           <a:p>
-            <a:r>
-              <a:rPr lang="fr-FR" dirty="0" smtClean="0"/>
-              <a:t>L’ensemble génère un fichier correctement formaté</a:t>
-            </a:r>
-            <a:endParaRPr lang="fr-FR" dirty="0"/>
+            <a:pPr algn="ctr"/>
+            <a:r>
+              <a:rPr lang="fr-FR" i="1" dirty="0" smtClean="0">
+                <a:latin typeface="Nirmala UI" panose="020B0502040204020203" pitchFamily="34" charset="0"/>
+                <a:ea typeface="Kozuka Gothic Pro L" panose="020B0200000000000000" pitchFamily="34" charset="-128"/>
+                <a:cs typeface="Nirmala UI" panose="020B0502040204020203" pitchFamily="34" charset="0"/>
+              </a:rPr>
+              <a:t>Traduction en C#</a:t>
+            </a:r>
+            <a:endParaRPr lang="fr-FR" i="1" dirty="0" smtClean="0">
+              <a:latin typeface="Nirmala UI" panose="020B0502040204020203" pitchFamily="34" charset="0"/>
+              <a:ea typeface="Kozuka Gothic Pro L" panose="020B0200000000000000" pitchFamily="34" charset="-128"/>
+              <a:cs typeface="Nirmala UI" panose="020B0502040204020203" pitchFamily="34" charset="0"/>
+            </a:endParaRPr>
           </a:p>
         </p:txBody>
       </p:sp>
       <p:sp>
         <p:nvSpPr>
-          <p:cNvPr id="62" name="Espace réservé du numéro de diapositive 61"/>
-          <p:cNvSpPr>
-            <a:spLocks noGrp="1"/>
-          </p:cNvSpPr>
-          <p:nvPr>
-            <p:ph type="sldNum" sz="quarter" idx="4"/>
-          </p:nvPr>
+          <p:cNvPr id="79" name="Rectangle à coins arrondis 78"/>
+          <p:cNvSpPr/>
+          <p:nvPr/>
         </p:nvSpPr>
-        <p:spPr/>
+        <p:spPr>
+          <a:xfrm>
+            <a:off x="2751233" y="3812094"/>
+            <a:ext cx="2192022" cy="397185"/>
+          </a:xfrm>
+          <a:prstGeom prst="roundRect">
+            <a:avLst/>
+          </a:prstGeom>
+          <a:solidFill>
+            <a:srgbClr val="FCECAA"/>
+          </a:solidFill>
+          <a:ln>
+            <a:solidFill>
+              <a:schemeClr val="bg1">
+                <a:lumMod val="85000"/>
+              </a:schemeClr>
+            </a:solidFill>
+          </a:ln>
+        </p:spPr>
+        <p:style>
+          <a:lnRef idx="2">
+            <a:schemeClr val="accent1">
+              <a:shade val="50000"/>
+            </a:schemeClr>
+          </a:lnRef>
+          <a:fillRef idx="1">
+            <a:schemeClr val="accent1"/>
+          </a:fillRef>
+          <a:effectRef idx="0">
+            <a:schemeClr val="accent1"/>
+          </a:effectRef>
+          <a:fontRef idx="minor">
+            <a:schemeClr val="lt1"/>
+          </a:fontRef>
+        </p:style>
         <p:txBody>
-          <a:bodyPr/>
+          <a:bodyPr rtlCol="0" anchor="ctr"/>
           <a:lstStyle/>
           <a:p>
-            <a:fld id="{DC062FA9-FE1E-4553-BF9F-5A99BD99EA25}" type="slidenum">
-              <a:rPr lang="fr-FR" smtClean="0"/>
-              <a:pPr/>
-              <a:t>6</a:t>
-            </a:fld>
-            <a:endParaRPr lang="fr-FR"/>
+            <a:pPr algn="ctr"/>
+            <a:r>
+              <a:rPr lang="fr-FR" sz="1400" dirty="0" smtClean="0">
+                <a:solidFill>
+                  <a:schemeClr val="tx1"/>
+                </a:solidFill>
+                <a:latin typeface="Consolas" panose="020B0609020204030204" pitchFamily="49" charset="0"/>
+                <a:cs typeface="Consolas" panose="020B0609020204030204" pitchFamily="49" charset="0"/>
+              </a:rPr>
+              <a:t>Package « sprint3 »</a:t>
+            </a:r>
+            <a:endParaRPr lang="fr-FR" sz="1400" dirty="0">
+              <a:solidFill>
+                <a:schemeClr val="tx1"/>
+              </a:solidFill>
+              <a:latin typeface="Consolas" panose="020B0609020204030204" pitchFamily="49" charset="0"/>
+              <a:cs typeface="Consolas" panose="020B0609020204030204" pitchFamily="49" charset="0"/>
+            </a:endParaRPr>
+          </a:p>
+        </p:txBody>
+      </p:sp>
+      <p:sp>
+        <p:nvSpPr>
+          <p:cNvPr id="80" name="ZoneTexte 79"/>
+          <p:cNvSpPr txBox="1"/>
+          <p:nvPr/>
+        </p:nvSpPr>
+        <p:spPr>
+          <a:xfrm>
+            <a:off x="8758271" y="1693698"/>
+            <a:ext cx="2192022" cy="369332"/>
+          </a:xfrm>
+          <a:prstGeom prst="rect">
+            <a:avLst/>
+          </a:prstGeom>
+          <a:noFill/>
+        </p:spPr>
+        <p:txBody>
+          <a:bodyPr wrap="square" rtlCol="0">
+            <a:spAutoFit/>
+          </a:bodyPr>
+          <a:lstStyle/>
+          <a:p>
+            <a:pPr algn="ctr"/>
+            <a:r>
+              <a:rPr lang="fr-FR" i="1" dirty="0" err="1" smtClean="0">
+                <a:latin typeface="Nirmala UI" panose="020B0502040204020203" pitchFamily="34" charset="0"/>
+                <a:ea typeface="Kozuka Gothic Pro L" panose="020B0200000000000000" pitchFamily="34" charset="-128"/>
+                <a:cs typeface="Nirmala UI" panose="020B0502040204020203" pitchFamily="34" charset="0"/>
+              </a:rPr>
+              <a:t>Pretty</a:t>
+            </a:r>
+            <a:r>
+              <a:rPr lang="fr-FR" i="1" dirty="0" smtClean="0">
+                <a:latin typeface="Nirmala UI" panose="020B0502040204020203" pitchFamily="34" charset="0"/>
+                <a:ea typeface="Kozuka Gothic Pro L" panose="020B0200000000000000" pitchFamily="34" charset="-128"/>
+                <a:cs typeface="Nirmala UI" panose="020B0502040204020203" pitchFamily="34" charset="0"/>
+              </a:rPr>
+              <a:t> Printer</a:t>
+            </a:r>
+            <a:endParaRPr lang="fr-FR" i="1" dirty="0" smtClean="0">
+              <a:latin typeface="Nirmala UI" panose="020B0502040204020203" pitchFamily="34" charset="0"/>
+              <a:ea typeface="Kozuka Gothic Pro L" panose="020B0200000000000000" pitchFamily="34" charset="-128"/>
+              <a:cs typeface="Nirmala UI" panose="020B0502040204020203" pitchFamily="34" charset="0"/>
+            </a:endParaRPr>
+          </a:p>
+        </p:txBody>
+      </p:sp>
+      <p:sp>
+        <p:nvSpPr>
+          <p:cNvPr id="81" name="ZoneTexte 80"/>
+          <p:cNvSpPr txBox="1"/>
+          <p:nvPr/>
+        </p:nvSpPr>
+        <p:spPr>
+          <a:xfrm>
+            <a:off x="373584" y="1679364"/>
+            <a:ext cx="2192022" cy="369332"/>
+          </a:xfrm>
+          <a:prstGeom prst="rect">
+            <a:avLst/>
+          </a:prstGeom>
+          <a:noFill/>
+        </p:spPr>
+        <p:txBody>
+          <a:bodyPr wrap="square" rtlCol="0">
+            <a:spAutoFit/>
+          </a:bodyPr>
+          <a:lstStyle/>
+          <a:p>
+            <a:pPr algn="ctr"/>
+            <a:r>
+              <a:rPr lang="fr-FR" i="1" dirty="0" err="1" smtClean="0">
+                <a:latin typeface="Nirmala UI" panose="020B0502040204020203" pitchFamily="34" charset="0"/>
+                <a:ea typeface="Kozuka Gothic Pro L" panose="020B0200000000000000" pitchFamily="34" charset="-128"/>
+                <a:cs typeface="Nirmala UI" panose="020B0502040204020203" pitchFamily="34" charset="0"/>
+              </a:rPr>
+              <a:t>Parser</a:t>
+            </a:r>
+            <a:endParaRPr lang="fr-FR" i="1" dirty="0" smtClean="0">
+              <a:latin typeface="Nirmala UI" panose="020B0502040204020203" pitchFamily="34" charset="0"/>
+              <a:ea typeface="Kozuka Gothic Pro L" panose="020B0200000000000000" pitchFamily="34" charset="-128"/>
+              <a:cs typeface="Nirmala UI" panose="020B0502040204020203" pitchFamily="34" charset="0"/>
+            </a:endParaRPr>
           </a:p>
         </p:txBody>
       </p:sp>
@@ -17793,13 +15532,13 @@
   <p:clrMapOvr>
     <a:masterClrMapping/>
   </p:clrMapOvr>
-  <mc:AlternateContent xmlns:mc="http://schemas.openxmlformats.org/markup-compatibility/2006">
-    <mc:Choice xmlns:p14="http://schemas.microsoft.com/office/powerpoint/2010/main" Requires="p14">
+  <mc:AlternateContent xmlns:mc="http://schemas.openxmlformats.org/markup-compatibility/2006" xmlns:p14="http://schemas.microsoft.com/office/powerpoint/2010/main">
+    <mc:Choice Requires="p14">
       <p:transition spd="med" p14:dur="700">
         <p:fade/>
       </p:transition>
     </mc:Choice>
-    <mc:Fallback>
+    <mc:Fallback xmlns="">
       <p:transition spd="med">
         <p:fade/>
       </p:transition>
@@ -18383,7 +16122,7 @@
                             </p:stCondLst>
                             <p:childTnLst>
                               <p:par>
-                                <p:cTn id="55" presetID="10" presetClass="entr" presetSubtype="0" fill="hold" grpId="0" nodeType="afterEffect">
+                                <p:cTn id="55" presetID="22" presetClass="entr" presetSubtype="8" fill="hold" grpId="0" nodeType="afterEffect">
                                   <p:stCondLst>
                                     <p:cond delay="0"/>
                                   </p:stCondLst>
@@ -18396,7 +16135,7 @@
                                           </p:stCondLst>
                                         </p:cTn>
                                         <p:tgtEl>
-                                          <p:spTgt spid="55"/>
+                                          <p:spTgt spid="70"/>
                                         </p:tgtEl>
                                         <p:attrNameLst>
                                           <p:attrName>style.visibility</p:attrName>
@@ -18406,11 +16145,11 @@
                                         <p:strVal val="visible"/>
                                       </p:to>
                                     </p:set>
-                                    <p:animEffect transition="in" filter="fade">
-                                      <p:cBhvr>
-                                        <p:cTn id="57" dur="250"/>
-                                        <p:tgtEl>
-                                          <p:spTgt spid="55"/>
+                                    <p:animEffect transition="in" filter="wipe(left)">
+                                      <p:cBhvr>
+                                        <p:cTn id="57" dur="350"/>
+                                        <p:tgtEl>
+                                          <p:spTgt spid="70"/>
                                         </p:tgtEl>
                                       </p:cBhvr>
                                     </p:animEffect>
@@ -18458,7 +16197,7 @@
       <p:bldP spid="52" grpId="0" animBg="1"/>
       <p:bldP spid="53" grpId="0" animBg="1"/>
       <p:bldP spid="54" grpId="0" animBg="1"/>
-      <p:bldP spid="55" grpId="0" animBg="1"/>
+      <p:bldP spid="70" grpId="0" animBg="1"/>
     </p:bldLst>
   </p:timing>
 </p:sld>
@@ -19310,11 +17049,6 @@
               </a:rPr>
               <a:t>whc.exe</a:t>
             </a:r>
-            <a:endParaRPr lang="fr-FR" i="1" dirty="0" smtClean="0">
-              <a:latin typeface="Nirmala UI" panose="020B0502040204020203" pitchFamily="34" charset="0"/>
-              <a:ea typeface="Kozuka Gothic Pro L" panose="020B0200000000000000" pitchFamily="34" charset="-128"/>
-              <a:cs typeface="Nirmala UI" panose="020B0502040204020203" pitchFamily="34" charset="0"/>
-            </a:endParaRPr>
           </a:p>
         </p:txBody>
       </p:sp>
@@ -20323,14 +18057,7 @@
                 <a:latin typeface="Nirmala UI" panose="020B0502040204020203" pitchFamily="34" charset="0"/>
                 <a:cs typeface="Nirmala UI" panose="020B0502040204020203" pitchFamily="34" charset="0"/>
               </a:rPr>
-              <a:t>: </a:t>
-            </a:r>
-            <a:r>
-              <a:rPr lang="fr-FR" dirty="0" smtClean="0">
-                <a:latin typeface="Nirmala UI" panose="020B0502040204020203" pitchFamily="34" charset="0"/>
-                <a:cs typeface="Nirmala UI" panose="020B0502040204020203" pitchFamily="34" charset="0"/>
-              </a:rPr>
-              <a:t>nom du fichier source C# de sortie</a:t>
+              <a:t>: nom du fichier source C# de sortie</a:t>
             </a:r>
           </a:p>
           <a:p>
@@ -20352,10 +18079,6 @@
               </a:rPr>
               <a:t>: nom du fichier exécutable C# de sortie</a:t>
             </a:r>
-            <a:endParaRPr lang="fr-FR" dirty="0" smtClean="0">
-              <a:latin typeface="Nirmala UI" panose="020B0502040204020203" pitchFamily="34" charset="0"/>
-              <a:cs typeface="Nirmala UI" panose="020B0502040204020203" pitchFamily="34" charset="0"/>
-            </a:endParaRPr>
           </a:p>
           <a:p>
             <a:pPr marL="285750" indent="-285750">
@@ -21246,267 +18969,6 @@
 </file>
 
 <file path=ppt/theme/theme2.xml><?xml version="1.0" encoding="utf-8"?>
-<a:theme xmlns:a="http://schemas.openxmlformats.org/drawingml/2006/main" name="Conception personnalisée">
-  <a:themeElements>
-    <a:clrScheme name="Office">
-      <a:dk1>
-        <a:sysClr val="windowText" lastClr="000000"/>
-      </a:dk1>
-      <a:lt1>
-        <a:sysClr val="window" lastClr="FFFFFF"/>
-      </a:lt1>
-      <a:dk2>
-        <a:srgbClr val="44546A"/>
-      </a:dk2>
-      <a:lt2>
-        <a:srgbClr val="E7E6E6"/>
-      </a:lt2>
-      <a:accent1>
-        <a:srgbClr val="5B9BD5"/>
-      </a:accent1>
-      <a:accent2>
-        <a:srgbClr val="ED7D31"/>
-      </a:accent2>
-      <a:accent3>
-        <a:srgbClr val="A5A5A5"/>
-      </a:accent3>
-      <a:accent4>
-        <a:srgbClr val="FFC000"/>
-      </a:accent4>
-      <a:accent5>
-        <a:srgbClr val="4472C4"/>
-      </a:accent5>
-      <a:accent6>
-        <a:srgbClr val="70AD47"/>
-      </a:accent6>
-      <a:hlink>
-        <a:srgbClr val="0563C1"/>
-      </a:hlink>
-      <a:folHlink>
-        <a:srgbClr val="954F72"/>
-      </a:folHlink>
-    </a:clrScheme>
-    <a:fontScheme name="Office">
-      <a:majorFont>
-        <a:latin typeface="Calibri Light" panose="020F0302020204030204"/>
-        <a:ea typeface=""/>
-        <a:cs typeface=""/>
-        <a:font script="Jpan" typeface="ＭＳ Ｐゴシック"/>
-        <a:font script="Hang" typeface="맑은 고딕"/>
-        <a:font script="Hans" typeface="宋体"/>
-        <a:font script="Hant" typeface="新細明體"/>
-        <a:font script="Arab" typeface="Times New Roman"/>
-        <a:font script="Hebr" typeface="Times New Roman"/>
-        <a:font script="Thai" typeface="Angsana New"/>
-        <a:font script="Ethi" typeface="Nyala"/>
-        <a:font script="Beng" typeface="Vrinda"/>
-        <a:font script="Gujr" typeface="Shruti"/>
-        <a:font script="Khmr" typeface="MoolBoran"/>
-        <a:font script="Knda" typeface="Tunga"/>
-        <a:font script="Guru" typeface="Raavi"/>
-        <a:font script="Cans" typeface="Euphemia"/>
-        <a:font script="Cher" typeface="Plantagenet Cherokee"/>
-        <a:font script="Yiii" typeface="Microsoft Yi Baiti"/>
-        <a:font script="Tibt" typeface="Microsoft Himalaya"/>
-        <a:font script="Thaa" typeface="MV Boli"/>
-        <a:font script="Deva" typeface="Mangal"/>
-        <a:font script="Telu" typeface="Gautami"/>
-        <a:font script="Taml" typeface="Latha"/>
-        <a:font script="Syrc" typeface="Estrangelo Edessa"/>
-        <a:font script="Orya" typeface="Kalinga"/>
-        <a:font script="Mlym" typeface="Kartika"/>
-        <a:font script="Laoo" typeface="DokChampa"/>
-        <a:font script="Sinh" typeface="Iskoola Pota"/>
-        <a:font script="Mong" typeface="Mongolian Baiti"/>
-        <a:font script="Viet" typeface="Times New Roman"/>
-        <a:font script="Uigh" typeface="Microsoft Uighur"/>
-        <a:font script="Geor" typeface="Sylfaen"/>
-      </a:majorFont>
-      <a:minorFont>
-        <a:latin typeface="Calibri" panose="020F0502020204030204"/>
-        <a:ea typeface=""/>
-        <a:cs typeface=""/>
-        <a:font script="Jpan" typeface="ＭＳ Ｐゴシック"/>
-        <a:font script="Hang" typeface="맑은 고딕"/>
-        <a:font script="Hans" typeface="宋体"/>
-        <a:font script="Hant" typeface="新細明體"/>
-        <a:font script="Arab" typeface="Arial"/>
-        <a:font script="Hebr" typeface="Arial"/>
-        <a:font script="Thai" typeface="Cordia New"/>
-        <a:font script="Ethi" typeface="Nyala"/>
-        <a:font script="Beng" typeface="Vrinda"/>
-        <a:font script="Gujr" typeface="Shruti"/>
-        <a:font script="Khmr" typeface="DaunPenh"/>
-        <a:font script="Knda" typeface="Tunga"/>
-        <a:font script="Guru" typeface="Raavi"/>
-        <a:font script="Cans" typeface="Euphemia"/>
-        <a:font script="Cher" typeface="Plantagenet Cherokee"/>
-        <a:font script="Yiii" typeface="Microsoft Yi Baiti"/>
-        <a:font script="Tibt" typeface="Microsoft Himalaya"/>
-        <a:font script="Thaa" typeface="MV Boli"/>
-        <a:font script="Deva" typeface="Mangal"/>
-        <a:font script="Telu" typeface="Gautami"/>
-        <a:font script="Taml" typeface="Latha"/>
-        <a:font script="Syrc" typeface="Estrangelo Edessa"/>
-        <a:font script="Orya" typeface="Kalinga"/>
-        <a:font script="Mlym" typeface="Kartika"/>
-        <a:font script="Laoo" typeface="DokChampa"/>
-        <a:font script="Sinh" typeface="Iskoola Pota"/>
-        <a:font script="Mong" typeface="Mongolian Baiti"/>
-        <a:font script="Viet" typeface="Arial"/>
-        <a:font script="Uigh" typeface="Microsoft Uighur"/>
-        <a:font script="Geor" typeface="Sylfaen"/>
-      </a:minorFont>
-    </a:fontScheme>
-    <a:fmtScheme name="Office">
-      <a:fillStyleLst>
-        <a:solidFill>
-          <a:schemeClr val="phClr"/>
-        </a:solidFill>
-        <a:gradFill rotWithShape="1">
-          <a:gsLst>
-            <a:gs pos="0">
-              <a:schemeClr val="phClr">
-                <a:lumMod val="110000"/>
-                <a:satMod val="105000"/>
-                <a:tint val="67000"/>
-              </a:schemeClr>
-            </a:gs>
-            <a:gs pos="50000">
-              <a:schemeClr val="phClr">
-                <a:lumMod val="105000"/>
-                <a:satMod val="103000"/>
-                <a:tint val="73000"/>
-              </a:schemeClr>
-            </a:gs>
-            <a:gs pos="100000">
-              <a:schemeClr val="phClr">
-                <a:lumMod val="105000"/>
-                <a:satMod val="109000"/>
-                <a:tint val="81000"/>
-              </a:schemeClr>
-            </a:gs>
-          </a:gsLst>
-          <a:lin ang="5400000" scaled="0"/>
-        </a:gradFill>
-        <a:gradFill rotWithShape="1">
-          <a:gsLst>
-            <a:gs pos="0">
-              <a:schemeClr val="phClr">
-                <a:satMod val="103000"/>
-                <a:lumMod val="102000"/>
-                <a:tint val="94000"/>
-              </a:schemeClr>
-            </a:gs>
-            <a:gs pos="50000">
-              <a:schemeClr val="phClr">
-                <a:satMod val="110000"/>
-                <a:lumMod val="100000"/>
-                <a:shade val="100000"/>
-              </a:schemeClr>
-            </a:gs>
-            <a:gs pos="100000">
-              <a:schemeClr val="phClr">
-                <a:lumMod val="99000"/>
-                <a:satMod val="120000"/>
-                <a:shade val="78000"/>
-              </a:schemeClr>
-            </a:gs>
-          </a:gsLst>
-          <a:lin ang="5400000" scaled="0"/>
-        </a:gradFill>
-      </a:fillStyleLst>
-      <a:lnStyleLst>
-        <a:ln w="6350" cap="flat" cmpd="sng" algn="ctr">
-          <a:solidFill>
-            <a:schemeClr val="phClr"/>
-          </a:solidFill>
-          <a:prstDash val="solid"/>
-          <a:miter lim="800000"/>
-        </a:ln>
-        <a:ln w="12700" cap="flat" cmpd="sng" algn="ctr">
-          <a:solidFill>
-            <a:schemeClr val="phClr"/>
-          </a:solidFill>
-          <a:prstDash val="solid"/>
-          <a:miter lim="800000"/>
-        </a:ln>
-        <a:ln w="19050" cap="flat" cmpd="sng" algn="ctr">
-          <a:solidFill>
-            <a:schemeClr val="phClr"/>
-          </a:solidFill>
-          <a:prstDash val="solid"/>
-          <a:miter lim="800000"/>
-        </a:ln>
-      </a:lnStyleLst>
-      <a:effectStyleLst>
-        <a:effectStyle>
-          <a:effectLst/>
-        </a:effectStyle>
-        <a:effectStyle>
-          <a:effectLst/>
-        </a:effectStyle>
-        <a:effectStyle>
-          <a:effectLst>
-            <a:outerShdw blurRad="57150" dist="19050" dir="5400000" algn="ctr" rotWithShape="0">
-              <a:srgbClr val="000000">
-                <a:alpha val="63000"/>
-              </a:srgbClr>
-            </a:outerShdw>
-          </a:effectLst>
-        </a:effectStyle>
-      </a:effectStyleLst>
-      <a:bgFillStyleLst>
-        <a:solidFill>
-          <a:schemeClr val="phClr"/>
-        </a:solidFill>
-        <a:solidFill>
-          <a:schemeClr val="phClr">
-            <a:tint val="95000"/>
-            <a:satMod val="170000"/>
-          </a:schemeClr>
-        </a:solidFill>
-        <a:gradFill rotWithShape="1">
-          <a:gsLst>
-            <a:gs pos="0">
-              <a:schemeClr val="phClr">
-                <a:tint val="93000"/>
-                <a:satMod val="150000"/>
-                <a:shade val="98000"/>
-                <a:lumMod val="102000"/>
-              </a:schemeClr>
-            </a:gs>
-            <a:gs pos="50000">
-              <a:schemeClr val="phClr">
-                <a:tint val="98000"/>
-                <a:satMod val="130000"/>
-                <a:shade val="90000"/>
-                <a:lumMod val="103000"/>
-              </a:schemeClr>
-            </a:gs>
-            <a:gs pos="100000">
-              <a:schemeClr val="phClr">
-                <a:shade val="63000"/>
-                <a:satMod val="120000"/>
-              </a:schemeClr>
-            </a:gs>
-          </a:gsLst>
-          <a:lin ang="5400000" scaled="0"/>
-        </a:gradFill>
-      </a:bgFillStyleLst>
-    </a:fmtScheme>
-  </a:themeElements>
-  <a:objectDefaults/>
-  <a:extraClrSchemeLst/>
-  <a:extLst>
-    <a:ext uri="{05A4C25C-085E-4340-85A3-A5531E510DB2}">
-      <thm15:themeFamily xmlns:thm15="http://schemas.microsoft.com/office/thememl/2012/main" name="Office Theme" id="{62F939B6-93AF-4DB8-9C6B-D6C7DFDC589F}" vid="{4A3C46E8-61CC-4603-A589-7422A47A8E4A}"/>
-    </a:ext>
-  </a:extLst>
-</a:theme>
-</file>
-
-<file path=ppt/theme/theme3.xml><?xml version="1.0" encoding="utf-8"?>
 <a:theme xmlns:a="http://schemas.openxmlformats.org/drawingml/2006/main" name="Thème Office">
   <a:themeElements>
     <a:clrScheme name="Office">
